--- a/산출문서/흐름도와 유스케이스.pptx
+++ b/산출문서/흐름도와 유스케이스.pptx
@@ -260,7 +260,7 @@
           <a:p>
             <a:fld id="{5E1AB27D-BACB-458D-8FB6-FDD20C3FA096}" type="datetimeFigureOut">
               <a:rPr lang="ko-KR" altLang="en-US" smtClean="0"/>
-              <a:t>2023-07-28</a:t>
+              <a:t>2023-08-14</a:t>
             </a:fld>
             <a:endParaRPr lang="ko-KR" altLang="en-US"/>
           </a:p>
@@ -458,7 +458,7 @@
           <a:p>
             <a:fld id="{5E1AB27D-BACB-458D-8FB6-FDD20C3FA096}" type="datetimeFigureOut">
               <a:rPr lang="ko-KR" altLang="en-US" smtClean="0"/>
-              <a:t>2023-07-28</a:t>
+              <a:t>2023-08-14</a:t>
             </a:fld>
             <a:endParaRPr lang="ko-KR" altLang="en-US"/>
           </a:p>
@@ -666,7 +666,7 @@
           <a:p>
             <a:fld id="{5E1AB27D-BACB-458D-8FB6-FDD20C3FA096}" type="datetimeFigureOut">
               <a:rPr lang="ko-KR" altLang="en-US" smtClean="0"/>
-              <a:t>2023-07-28</a:t>
+              <a:t>2023-08-14</a:t>
             </a:fld>
             <a:endParaRPr lang="ko-KR" altLang="en-US"/>
           </a:p>
@@ -864,7 +864,7 @@
           <a:p>
             <a:fld id="{5E1AB27D-BACB-458D-8FB6-FDD20C3FA096}" type="datetimeFigureOut">
               <a:rPr lang="ko-KR" altLang="en-US" smtClean="0"/>
-              <a:t>2023-07-28</a:t>
+              <a:t>2023-08-14</a:t>
             </a:fld>
             <a:endParaRPr lang="ko-KR" altLang="en-US"/>
           </a:p>
@@ -1139,7 +1139,7 @@
           <a:p>
             <a:fld id="{5E1AB27D-BACB-458D-8FB6-FDD20C3FA096}" type="datetimeFigureOut">
               <a:rPr lang="ko-KR" altLang="en-US" smtClean="0"/>
-              <a:t>2023-07-28</a:t>
+              <a:t>2023-08-14</a:t>
             </a:fld>
             <a:endParaRPr lang="ko-KR" altLang="en-US"/>
           </a:p>
@@ -1404,7 +1404,7 @@
           <a:p>
             <a:fld id="{5E1AB27D-BACB-458D-8FB6-FDD20C3FA096}" type="datetimeFigureOut">
               <a:rPr lang="ko-KR" altLang="en-US" smtClean="0"/>
-              <a:t>2023-07-28</a:t>
+              <a:t>2023-08-14</a:t>
             </a:fld>
             <a:endParaRPr lang="ko-KR" altLang="en-US"/>
           </a:p>
@@ -1816,7 +1816,7 @@
           <a:p>
             <a:fld id="{5E1AB27D-BACB-458D-8FB6-FDD20C3FA096}" type="datetimeFigureOut">
               <a:rPr lang="ko-KR" altLang="en-US" smtClean="0"/>
-              <a:t>2023-07-28</a:t>
+              <a:t>2023-08-14</a:t>
             </a:fld>
             <a:endParaRPr lang="ko-KR" altLang="en-US"/>
           </a:p>
@@ -1957,7 +1957,7 @@
           <a:p>
             <a:fld id="{5E1AB27D-BACB-458D-8FB6-FDD20C3FA096}" type="datetimeFigureOut">
               <a:rPr lang="ko-KR" altLang="en-US" smtClean="0"/>
-              <a:t>2023-07-28</a:t>
+              <a:t>2023-08-14</a:t>
             </a:fld>
             <a:endParaRPr lang="ko-KR" altLang="en-US"/>
           </a:p>
@@ -2070,7 +2070,7 @@
           <a:p>
             <a:fld id="{5E1AB27D-BACB-458D-8FB6-FDD20C3FA096}" type="datetimeFigureOut">
               <a:rPr lang="ko-KR" altLang="en-US" smtClean="0"/>
-              <a:t>2023-07-28</a:t>
+              <a:t>2023-08-14</a:t>
             </a:fld>
             <a:endParaRPr lang="ko-KR" altLang="en-US"/>
           </a:p>
@@ -2381,7 +2381,7 @@
           <a:p>
             <a:fld id="{5E1AB27D-BACB-458D-8FB6-FDD20C3FA096}" type="datetimeFigureOut">
               <a:rPr lang="ko-KR" altLang="en-US" smtClean="0"/>
-              <a:t>2023-07-28</a:t>
+              <a:t>2023-08-14</a:t>
             </a:fld>
             <a:endParaRPr lang="ko-KR" altLang="en-US"/>
           </a:p>
@@ -2669,7 +2669,7 @@
           <a:p>
             <a:fld id="{5E1AB27D-BACB-458D-8FB6-FDD20C3FA096}" type="datetimeFigureOut">
               <a:rPr lang="ko-KR" altLang="en-US" smtClean="0"/>
-              <a:t>2023-07-28</a:t>
+              <a:t>2023-08-14</a:t>
             </a:fld>
             <a:endParaRPr lang="ko-KR" altLang="en-US"/>
           </a:p>
@@ -2910,7 +2910,7 @@
           <a:p>
             <a:fld id="{5E1AB27D-BACB-458D-8FB6-FDD20C3FA096}" type="datetimeFigureOut">
               <a:rPr lang="ko-KR" altLang="en-US" smtClean="0"/>
-              <a:t>2023-07-28</a:t>
+              <a:t>2023-08-14</a:t>
             </a:fld>
             <a:endParaRPr lang="ko-KR" altLang="en-US"/>
           </a:p>
@@ -3341,12 +3341,13 @@
         </p:nvSpPr>
         <p:spPr>
           <a:xfrm>
-            <a:off x="163285" y="1491347"/>
-            <a:ext cx="1282079" cy="720769"/>
+            <a:off x="5009649" y="651704"/>
+            <a:ext cx="2124050" cy="720769"/>
           </a:xfrm>
           <a:prstGeom prst="rect">
             <a:avLst/>
           </a:prstGeom>
+          <a:ln w="12700"/>
         </p:spPr>
         <p:style>
           <a:lnRef idx="2">
@@ -3368,308 +3369,22 @@
           <a:p>
             <a:pPr algn="ctr"/>
             <a:r>
-              <a:rPr lang="ko-KR" altLang="en-US" sz="1500">
-                <a:solidFill>
-                  <a:schemeClr val="tx1"/>
-                </a:solidFill>
-              </a:rPr>
-              <a:t>메인 페이지 </a:t>
-            </a:r>
-            <a:r>
               <a:rPr lang="ko-KR" altLang="en-US" sz="1500" dirty="0">
                 <a:solidFill>
                   <a:schemeClr val="tx1"/>
                 </a:solidFill>
               </a:rPr>
-              <a:t>접속</a:t>
-            </a:r>
-          </a:p>
-        </p:txBody>
-      </p:sp>
-      <p:sp>
-        <p:nvSpPr>
-          <p:cNvPr id="24" name="직사각형 23">
-            <a:extLst>
-              <a:ext uri="{FF2B5EF4-FFF2-40B4-BE49-F238E27FC236}">
-                <a16:creationId xmlns:a16="http://schemas.microsoft.com/office/drawing/2014/main" id="{0C3139E7-C185-BAD4-4489-D8612F6A472F}"/>
-              </a:ext>
-            </a:extLst>
-          </p:cNvPr>
-          <p:cNvSpPr/>
-          <p:nvPr/>
-        </p:nvSpPr>
-        <p:spPr>
-          <a:xfrm>
-            <a:off x="7489372" y="3348598"/>
-            <a:ext cx="1727246" cy="468500"/>
-          </a:xfrm>
-          <a:prstGeom prst="rect">
-            <a:avLst/>
-          </a:prstGeom>
-        </p:spPr>
-        <p:style>
-          <a:lnRef idx="2">
-            <a:schemeClr val="dk1"/>
-          </a:lnRef>
-          <a:fillRef idx="1">
-            <a:schemeClr val="lt1"/>
-          </a:fillRef>
-          <a:effectRef idx="0">
-            <a:schemeClr val="dk1"/>
-          </a:effectRef>
-          <a:fontRef idx="minor">
-            <a:schemeClr val="dk1"/>
-          </a:fontRef>
-        </p:style>
-        <p:txBody>
-          <a:bodyPr rtlCol="0" anchor="ctr"/>
-          <a:lstStyle/>
-          <a:p>
-            <a:pPr algn="ctr"/>
-            <a:r>
-              <a:rPr lang="ko-KR" altLang="en-US" sz="1500" dirty="0"/>
-              <a:t>데이터 출력</a:t>
-            </a:r>
-          </a:p>
-        </p:txBody>
-      </p:sp>
-      <p:sp>
-        <p:nvSpPr>
-          <p:cNvPr id="29" name="직사각형 28">
-            <a:extLst>
-              <a:ext uri="{FF2B5EF4-FFF2-40B4-BE49-F238E27FC236}">
-                <a16:creationId xmlns:a16="http://schemas.microsoft.com/office/drawing/2014/main" id="{2ABBA8DA-A014-6D2A-4EF9-91ADA11A0DA0}"/>
-              </a:ext>
-            </a:extLst>
-          </p:cNvPr>
-          <p:cNvSpPr/>
-          <p:nvPr/>
-        </p:nvSpPr>
-        <p:spPr>
-          <a:xfrm>
-            <a:off x="7010400" y="5547509"/>
-            <a:ext cx="2189993" cy="468500"/>
-          </a:xfrm>
-          <a:prstGeom prst="rect">
-            <a:avLst/>
-          </a:prstGeom>
-        </p:spPr>
-        <p:style>
-          <a:lnRef idx="2">
-            <a:schemeClr val="dk1"/>
-          </a:lnRef>
-          <a:fillRef idx="1">
-            <a:schemeClr val="lt1"/>
-          </a:fillRef>
-          <a:effectRef idx="0">
-            <a:schemeClr val="dk1"/>
-          </a:effectRef>
-          <a:fontRef idx="minor">
-            <a:schemeClr val="dk1"/>
-          </a:fontRef>
-        </p:style>
-        <p:txBody>
-          <a:bodyPr rtlCol="0" anchor="ctr"/>
-          <a:lstStyle/>
-          <a:p>
-            <a:pPr algn="ctr"/>
-            <a:r>
-              <a:rPr lang="ko-KR" altLang="en-US" sz="1500" dirty="0"/>
-              <a:t>글 작성</a:t>
-            </a:r>
-            <a:r>
-              <a:rPr lang="en-US" altLang="ko-KR" sz="1500" dirty="0"/>
-              <a:t>, </a:t>
-            </a:r>
-            <a:r>
-              <a:rPr lang="ko-KR" altLang="en-US" sz="1500" dirty="0"/>
-              <a:t>수정</a:t>
-            </a:r>
-            <a:r>
-              <a:rPr lang="en-US" altLang="ko-KR" sz="1500" dirty="0"/>
-              <a:t>, </a:t>
-            </a:r>
-            <a:r>
-              <a:rPr lang="ko-KR" altLang="en-US" sz="1500" dirty="0"/>
-              <a:t>삭제</a:t>
-            </a:r>
-          </a:p>
-        </p:txBody>
-      </p:sp>
-      <p:cxnSp>
-        <p:nvCxnSpPr>
-          <p:cNvPr id="37" name="연결선: 꺾임 36">
-            <a:extLst>
-              <a:ext uri="{FF2B5EF4-FFF2-40B4-BE49-F238E27FC236}">
-                <a16:creationId xmlns:a16="http://schemas.microsoft.com/office/drawing/2014/main" id="{BD3FBE21-79E9-7F7C-8910-26E26FF19990}"/>
-              </a:ext>
-            </a:extLst>
-          </p:cNvPr>
-          <p:cNvCxnSpPr>
-            <a:cxnSpLocks/>
-            <a:endCxn id="7" idx="1"/>
-          </p:cNvCxnSpPr>
-          <p:nvPr/>
-        </p:nvCxnSpPr>
-        <p:spPr>
-          <a:xfrm>
-            <a:off x="1445364" y="1851732"/>
-            <a:ext cx="775321" cy="185898"/>
-          </a:xfrm>
-          <a:prstGeom prst="bentConnector3">
-            <a:avLst/>
-          </a:prstGeom>
-          <a:ln>
-            <a:tailEnd type="triangle"/>
-          </a:ln>
-        </p:spPr>
-        <p:style>
-          <a:lnRef idx="2">
-            <a:schemeClr val="dk1"/>
-          </a:lnRef>
-          <a:fillRef idx="1">
-            <a:schemeClr val="lt1"/>
-          </a:fillRef>
-          <a:effectRef idx="0">
-            <a:schemeClr val="dk1"/>
-          </a:effectRef>
-          <a:fontRef idx="minor">
-            <a:schemeClr val="dk1"/>
-          </a:fontRef>
-        </p:style>
-      </p:cxnSp>
-      <p:cxnSp>
-        <p:nvCxnSpPr>
-          <p:cNvPr id="39" name="연결선: 꺾임 38">
-            <a:extLst>
-              <a:ext uri="{FF2B5EF4-FFF2-40B4-BE49-F238E27FC236}">
-                <a16:creationId xmlns:a16="http://schemas.microsoft.com/office/drawing/2014/main" id="{91D416A8-CD1E-9623-72CB-CC4CD83806EB}"/>
-              </a:ext>
-            </a:extLst>
-          </p:cNvPr>
-          <p:cNvCxnSpPr>
-            <a:cxnSpLocks/>
-            <a:endCxn id="8" idx="1"/>
-          </p:cNvCxnSpPr>
-          <p:nvPr/>
-        </p:nvCxnSpPr>
-        <p:spPr>
-          <a:xfrm>
-            <a:off x="1445364" y="1851732"/>
-            <a:ext cx="775321" cy="1116073"/>
-          </a:xfrm>
-          <a:prstGeom prst="bentConnector3">
-            <a:avLst/>
-          </a:prstGeom>
-          <a:ln>
-            <a:tailEnd type="triangle"/>
-          </a:ln>
-        </p:spPr>
-        <p:style>
-          <a:lnRef idx="2">
-            <a:schemeClr val="dk1"/>
-          </a:lnRef>
-          <a:fillRef idx="1">
-            <a:schemeClr val="lt1"/>
-          </a:fillRef>
-          <a:effectRef idx="0">
-            <a:schemeClr val="dk1"/>
-          </a:effectRef>
-          <a:fontRef idx="minor">
-            <a:schemeClr val="dk1"/>
-          </a:fontRef>
-        </p:style>
-      </p:cxnSp>
-      <p:cxnSp>
-        <p:nvCxnSpPr>
-          <p:cNvPr id="41" name="연결선: 꺾임 40">
-            <a:extLst>
-              <a:ext uri="{FF2B5EF4-FFF2-40B4-BE49-F238E27FC236}">
-                <a16:creationId xmlns:a16="http://schemas.microsoft.com/office/drawing/2014/main" id="{57BA6407-BC0D-73E8-3743-BC0447725DF0}"/>
-              </a:ext>
-            </a:extLst>
-          </p:cNvPr>
-          <p:cNvCxnSpPr>
-            <a:cxnSpLocks/>
-            <a:endCxn id="9" idx="1"/>
-          </p:cNvCxnSpPr>
-          <p:nvPr/>
-        </p:nvCxnSpPr>
-        <p:spPr>
-          <a:xfrm>
-            <a:off x="1445364" y="1851732"/>
-            <a:ext cx="775321" cy="2504001"/>
-          </a:xfrm>
-          <a:prstGeom prst="bentConnector3">
-            <a:avLst/>
-          </a:prstGeom>
-          <a:ln>
-            <a:tailEnd type="triangle"/>
-          </a:ln>
-        </p:spPr>
-        <p:style>
-          <a:lnRef idx="2">
-            <a:schemeClr val="dk1"/>
-          </a:lnRef>
-          <a:fillRef idx="1">
-            <a:schemeClr val="lt1"/>
-          </a:fillRef>
-          <a:effectRef idx="0">
-            <a:schemeClr val="dk1"/>
-          </a:effectRef>
-          <a:fontRef idx="minor">
-            <a:schemeClr val="dk1"/>
-          </a:fontRef>
-        </p:style>
-      </p:cxnSp>
-      <p:cxnSp>
-        <p:nvCxnSpPr>
-          <p:cNvPr id="43" name="연결선: 꺾임 42">
-            <a:extLst>
-              <a:ext uri="{FF2B5EF4-FFF2-40B4-BE49-F238E27FC236}">
-                <a16:creationId xmlns:a16="http://schemas.microsoft.com/office/drawing/2014/main" id="{A4B1B6E5-15EB-D7D8-4DF0-CE47B826816B}"/>
-              </a:ext>
-            </a:extLst>
-          </p:cNvPr>
-          <p:cNvCxnSpPr>
-            <a:cxnSpLocks/>
-            <a:endCxn id="10" idx="1"/>
-          </p:cNvCxnSpPr>
-          <p:nvPr/>
-        </p:nvCxnSpPr>
-        <p:spPr>
-          <a:xfrm>
-            <a:off x="1445364" y="1851732"/>
-            <a:ext cx="775321" cy="3777629"/>
-          </a:xfrm>
-          <a:prstGeom prst="bentConnector3">
-            <a:avLst/>
-          </a:prstGeom>
-          <a:ln>
-            <a:tailEnd type="triangle"/>
-          </a:ln>
-        </p:spPr>
-        <p:style>
-          <a:lnRef idx="2">
-            <a:schemeClr val="dk1"/>
-          </a:lnRef>
-          <a:fillRef idx="1">
-            <a:schemeClr val="lt1"/>
-          </a:fillRef>
-          <a:effectRef idx="0">
-            <a:schemeClr val="dk1"/>
-          </a:effectRef>
-          <a:fontRef idx="minor">
-            <a:schemeClr val="dk1"/>
-          </a:fontRef>
-        </p:style>
-      </p:cxnSp>
+              <a:t>메인 페이지 접속</a:t>
+            </a:r>
+          </a:p>
+        </p:txBody>
+      </p:sp>
       <p:grpSp>
         <p:nvGrpSpPr>
-          <p:cNvPr id="95" name="그룹 94">
-            <a:extLst>
-              <a:ext uri="{FF2B5EF4-FFF2-40B4-BE49-F238E27FC236}">
-                <a16:creationId xmlns:a16="http://schemas.microsoft.com/office/drawing/2014/main" id="{C2355F4F-E1B3-0BAE-24BF-DACB947F7BB0}"/>
+          <p:cNvPr id="63" name="그룹 62">
+            <a:extLst>
+              <a:ext uri="{FF2B5EF4-FFF2-40B4-BE49-F238E27FC236}">
+                <a16:creationId xmlns:a16="http://schemas.microsoft.com/office/drawing/2014/main" id="{21F612A2-DE62-A879-45CD-777ABFCABFAD}"/>
               </a:ext>
             </a:extLst>
           </p:cNvPr>
@@ -3678,18 +3393,18 @@
         </p:nvGrpSpPr>
         <p:grpSpPr>
           <a:xfrm>
-            <a:off x="2220685" y="424542"/>
-            <a:ext cx="5469429" cy="468500"/>
-            <a:chOff x="2220685" y="424542"/>
-            <a:chExt cx="5469429" cy="468500"/>
+            <a:off x="2685150" y="2330448"/>
+            <a:ext cx="1727246" cy="1577269"/>
+            <a:chOff x="2685150" y="2330448"/>
+            <a:chExt cx="1727246" cy="1577269"/>
           </a:xfrm>
         </p:grpSpPr>
         <p:sp>
           <p:nvSpPr>
-            <p:cNvPr id="5" name="직사각형 4">
+            <p:cNvPr id="12" name="직사각형 11">
               <a:extLst>
                 <a:ext uri="{FF2B5EF4-FFF2-40B4-BE49-F238E27FC236}">
-                  <a16:creationId xmlns:a16="http://schemas.microsoft.com/office/drawing/2014/main" id="{1A19E525-1226-E206-8253-F3CABC5B1F9F}"/>
+                  <a16:creationId xmlns:a16="http://schemas.microsoft.com/office/drawing/2014/main" id="{47353156-6AD4-E2E7-35B1-28BA62352934}"/>
                 </a:ext>
               </a:extLst>
             </p:cNvPr>
@@ -3698,12 +3413,17 @@
           </p:nvSpPr>
           <p:spPr>
             <a:xfrm>
-              <a:off x="2220685" y="424542"/>
+              <a:off x="2907734" y="2330448"/>
               <a:ext cx="1282079" cy="468500"/>
             </a:xfrm>
             <a:prstGeom prst="rect">
               <a:avLst/>
             </a:prstGeom>
+            <a:ln w="12700">
+              <a:solidFill>
+                <a:schemeClr val="tx1"/>
+              </a:solidFill>
+            </a:ln>
           </p:spPr>
           <p:style>
             <a:lnRef idx="2">
@@ -3726,7 +3446,11 @@
               <a:pPr algn="ctr"/>
               <a:r>
                 <a:rPr lang="ko-KR" altLang="en-US" sz="1500" dirty="0" err="1"/>
-                <a:t>내정보</a:t>
+                <a:t>전통주란</a:t>
+              </a:r>
+              <a:r>
+                <a:rPr lang="en-US" altLang="ko-KR" sz="1500" dirty="0"/>
+                <a:t>?</a:t>
               </a:r>
               <a:endParaRPr lang="ko-KR" altLang="en-US" sz="1500" dirty="0"/>
             </a:p>
@@ -3734,10 +3458,10 @@
         </p:sp>
         <p:sp>
           <p:nvSpPr>
-            <p:cNvPr id="21" name="직사각형 20">
+            <p:cNvPr id="13" name="직사각형 12">
               <a:extLst>
                 <a:ext uri="{FF2B5EF4-FFF2-40B4-BE49-F238E27FC236}">
-                  <a16:creationId xmlns:a16="http://schemas.microsoft.com/office/drawing/2014/main" id="{CABBDB2D-631C-2111-926E-09F9155E00A9}"/>
+                  <a16:creationId xmlns:a16="http://schemas.microsoft.com/office/drawing/2014/main" id="{A3886875-7AA2-1E09-0D1C-0FF4D65B2D2E}"/>
                 </a:ext>
               </a:extLst>
             </p:cNvPr>
@@ -3746,12 +3470,139 @@
           </p:nvSpPr>
           <p:spPr>
             <a:xfrm>
-              <a:off x="4484914" y="424542"/>
-              <a:ext cx="3205200" cy="468500"/>
+              <a:off x="2685150" y="3439217"/>
+              <a:ext cx="1727246" cy="468500"/>
             </a:xfrm>
             <a:prstGeom prst="rect">
               <a:avLst/>
             </a:prstGeom>
+            <a:ln w="12700">
+              <a:solidFill>
+                <a:schemeClr val="tx1"/>
+              </a:solidFill>
+            </a:ln>
+          </p:spPr>
+          <p:style>
+            <a:lnRef idx="2">
+              <a:schemeClr val="dk1"/>
+            </a:lnRef>
+            <a:fillRef idx="1">
+              <a:schemeClr val="lt1"/>
+            </a:fillRef>
+            <a:effectRef idx="0">
+              <a:schemeClr val="dk1"/>
+            </a:effectRef>
+            <a:fontRef idx="minor">
+              <a:schemeClr val="dk1"/>
+            </a:fontRef>
+          </p:style>
+          <p:txBody>
+            <a:bodyPr rtlCol="0" anchor="ctr"/>
+            <a:lstStyle/>
+            <a:p>
+              <a:pPr algn="ctr"/>
+              <a:r>
+                <a:rPr lang="ko-KR" altLang="en-US" sz="1500" dirty="0" err="1"/>
+                <a:t>전통주</a:t>
+              </a:r>
+              <a:r>
+                <a:rPr lang="ko-KR" altLang="en-US" sz="1500" dirty="0"/>
+                <a:t> 개요</a:t>
+              </a:r>
+            </a:p>
+          </p:txBody>
+        </p:sp>
+        <p:cxnSp>
+          <p:nvCxnSpPr>
+            <p:cNvPr id="30" name="직선 화살표 연결선 29">
+              <a:extLst>
+                <a:ext uri="{FF2B5EF4-FFF2-40B4-BE49-F238E27FC236}">
+                  <a16:creationId xmlns:a16="http://schemas.microsoft.com/office/drawing/2014/main" id="{96F8ECC1-E005-8667-7E98-D125620603AD}"/>
+                </a:ext>
+              </a:extLst>
+            </p:cNvPr>
+            <p:cNvCxnSpPr>
+              <a:stCxn id="12" idx="2"/>
+              <a:endCxn id="13" idx="0"/>
+            </p:cNvCxnSpPr>
+            <p:nvPr/>
+          </p:nvCxnSpPr>
+          <p:spPr>
+            <a:xfrm flipH="1">
+              <a:off x="3548773" y="2798948"/>
+              <a:ext cx="1" cy="640269"/>
+            </a:xfrm>
+            <a:prstGeom prst="straightConnector1">
+              <a:avLst/>
+            </a:prstGeom>
+            <a:ln w="12700">
+              <a:solidFill>
+                <a:schemeClr val="tx1"/>
+              </a:solidFill>
+              <a:tailEnd type="triangle"/>
+            </a:ln>
+          </p:spPr>
+          <p:style>
+            <a:lnRef idx="1">
+              <a:schemeClr val="accent1"/>
+            </a:lnRef>
+            <a:fillRef idx="0">
+              <a:schemeClr val="accent1"/>
+            </a:fillRef>
+            <a:effectRef idx="0">
+              <a:schemeClr val="accent1"/>
+            </a:effectRef>
+            <a:fontRef idx="minor">
+              <a:schemeClr val="tx1"/>
+            </a:fontRef>
+          </p:style>
+        </p:cxnSp>
+      </p:grpSp>
+      <p:grpSp>
+        <p:nvGrpSpPr>
+          <p:cNvPr id="65" name="그룹 64">
+            <a:extLst>
+              <a:ext uri="{FF2B5EF4-FFF2-40B4-BE49-F238E27FC236}">
+                <a16:creationId xmlns:a16="http://schemas.microsoft.com/office/drawing/2014/main" id="{D843F133-4751-22A7-FA43-05CB6001289F}"/>
+              </a:ext>
+            </a:extLst>
+          </p:cNvPr>
+          <p:cNvGrpSpPr/>
+          <p:nvPr/>
+        </p:nvGrpSpPr>
+        <p:grpSpPr>
+          <a:xfrm>
+            <a:off x="5208050" y="2330448"/>
+            <a:ext cx="1727246" cy="3148826"/>
+            <a:chOff x="5254705" y="2330448"/>
+            <a:chExt cx="1727246" cy="3148826"/>
+          </a:xfrm>
+        </p:grpSpPr>
+        <p:sp>
+          <p:nvSpPr>
+            <p:cNvPr id="24" name="직사각형 23">
+              <a:extLst>
+                <a:ext uri="{FF2B5EF4-FFF2-40B4-BE49-F238E27FC236}">
+                  <a16:creationId xmlns:a16="http://schemas.microsoft.com/office/drawing/2014/main" id="{0C3139E7-C185-BAD4-4489-D8612F6A472F}"/>
+                </a:ext>
+              </a:extLst>
+            </p:cNvPr>
+            <p:cNvSpPr/>
+            <p:nvPr/>
+          </p:nvSpPr>
+          <p:spPr>
+            <a:xfrm>
+              <a:off x="5254705" y="5010774"/>
+              <a:ext cx="1727246" cy="468500"/>
+            </a:xfrm>
+            <a:prstGeom prst="rect">
+              <a:avLst/>
+            </a:prstGeom>
+            <a:ln w="12700">
+              <a:solidFill>
+                <a:schemeClr val="tx1"/>
+              </a:solidFill>
+            </a:ln>
           </p:spPr>
           <p:style>
             <a:lnRef idx="2">
@@ -3774,51 +3625,35 @@
               <a:pPr algn="ctr"/>
               <a:r>
                 <a:rPr lang="ko-KR" altLang="en-US" sz="1500" dirty="0"/>
-                <a:t>회원가입</a:t>
-              </a:r>
-              <a:r>
-                <a:rPr lang="en-US" altLang="ko-KR" sz="1500" dirty="0"/>
-                <a:t>, </a:t>
-              </a:r>
-              <a:r>
-                <a:rPr lang="ko-KR" altLang="en-US" sz="1500" dirty="0"/>
-                <a:t>로그인</a:t>
-              </a:r>
-              <a:r>
-                <a:rPr lang="en-US" altLang="ko-KR" sz="1500" dirty="0"/>
-                <a:t>, </a:t>
-              </a:r>
-              <a:r>
-                <a:rPr lang="ko-KR" altLang="en-US" sz="1500" dirty="0"/>
-                <a:t>정보 수정</a:t>
+                <a:t>데이터 출력</a:t>
               </a:r>
             </a:p>
           </p:txBody>
         </p:sp>
-        <p:cxnSp>
-          <p:nvCxnSpPr>
-            <p:cNvPr id="45" name="직선 화살표 연결선 44">
+        <p:sp>
+          <p:nvSpPr>
+            <p:cNvPr id="9" name="직사각형 8">
               <a:extLst>
                 <a:ext uri="{FF2B5EF4-FFF2-40B4-BE49-F238E27FC236}">
-                  <a16:creationId xmlns:a16="http://schemas.microsoft.com/office/drawing/2014/main" id="{0BF3F53C-4BFA-2E6B-FB34-260FE3AC6432}"/>
+                  <a16:creationId xmlns:a16="http://schemas.microsoft.com/office/drawing/2014/main" id="{B42BC0BD-44D4-C253-FBF8-705C349C44AC}"/>
                 </a:ext>
               </a:extLst>
             </p:cNvPr>
-            <p:cNvCxnSpPr>
-              <a:cxnSpLocks/>
-            </p:cNvCxnSpPr>
+            <p:cNvSpPr/>
             <p:nvPr/>
-          </p:nvCxnSpPr>
+          </p:nvSpPr>
           <p:spPr>
             <a:xfrm>
-              <a:off x="3502764" y="658792"/>
-              <a:ext cx="982150" cy="0"/>
+              <a:off x="5477289" y="2330448"/>
+              <a:ext cx="1282079" cy="468500"/>
             </a:xfrm>
-            <a:prstGeom prst="straightConnector1">
+            <a:prstGeom prst="rect">
               <a:avLst/>
             </a:prstGeom>
-            <a:ln>
-              <a:tailEnd type="triangle"/>
+            <a:ln w="12700">
+              <a:solidFill>
+                <a:schemeClr val="tx1"/>
+              </a:solidFill>
             </a:ln>
           </p:spPr>
           <p:style>
@@ -3835,14 +3670,172 @@
               <a:schemeClr val="dk1"/>
             </a:fontRef>
           </p:style>
+          <p:txBody>
+            <a:bodyPr rtlCol="0" anchor="ctr"/>
+            <a:lstStyle/>
+            <a:p>
+              <a:pPr algn="ctr"/>
+              <a:r>
+                <a:rPr lang="ko-KR" altLang="en-US" sz="1500" dirty="0" err="1"/>
+                <a:t>전통주</a:t>
+              </a:r>
+              <a:endParaRPr lang="ko-KR" altLang="en-US" sz="1500" dirty="0"/>
+            </a:p>
+          </p:txBody>
+        </p:sp>
+        <p:sp>
+          <p:nvSpPr>
+            <p:cNvPr id="14" name="직사각형 13">
+              <a:extLst>
+                <a:ext uri="{FF2B5EF4-FFF2-40B4-BE49-F238E27FC236}">
+                  <a16:creationId xmlns:a16="http://schemas.microsoft.com/office/drawing/2014/main" id="{332173B0-4479-658E-4F7A-54FC6D252F18}"/>
+                </a:ext>
+              </a:extLst>
+            </p:cNvPr>
+            <p:cNvSpPr/>
+            <p:nvPr/>
+          </p:nvSpPr>
+          <p:spPr>
+            <a:xfrm>
+              <a:off x="5254705" y="3439217"/>
+              <a:ext cx="1727246" cy="468500"/>
+            </a:xfrm>
+            <a:prstGeom prst="rect">
+              <a:avLst/>
+            </a:prstGeom>
+            <a:ln w="12700">
+              <a:solidFill>
+                <a:schemeClr val="tx1"/>
+              </a:solidFill>
+            </a:ln>
+          </p:spPr>
+          <p:style>
+            <a:lnRef idx="2">
+              <a:schemeClr val="dk1"/>
+            </a:lnRef>
+            <a:fillRef idx="1">
+              <a:schemeClr val="lt1"/>
+            </a:fillRef>
+            <a:effectRef idx="0">
+              <a:schemeClr val="dk1"/>
+            </a:effectRef>
+            <a:fontRef idx="minor">
+              <a:schemeClr val="dk1"/>
+            </a:fontRef>
+          </p:style>
+          <p:txBody>
+            <a:bodyPr rtlCol="0" anchor="ctr"/>
+            <a:lstStyle/>
+            <a:p>
+              <a:pPr algn="ctr"/>
+              <a:r>
+                <a:rPr lang="ko-KR" altLang="en-US" sz="1500" dirty="0" err="1"/>
+                <a:t>전통주</a:t>
+              </a:r>
+              <a:r>
+                <a:rPr lang="ko-KR" altLang="en-US" sz="1500" dirty="0"/>
+                <a:t> 정보</a:t>
+              </a:r>
+            </a:p>
+          </p:txBody>
+        </p:sp>
+        <p:cxnSp>
+          <p:nvCxnSpPr>
+            <p:cNvPr id="32" name="직선 화살표 연결선 31">
+              <a:extLst>
+                <a:ext uri="{FF2B5EF4-FFF2-40B4-BE49-F238E27FC236}">
+                  <a16:creationId xmlns:a16="http://schemas.microsoft.com/office/drawing/2014/main" id="{2F887F43-00C3-3D8B-837F-CE2AC39D9C98}"/>
+                </a:ext>
+              </a:extLst>
+            </p:cNvPr>
+            <p:cNvCxnSpPr>
+              <a:stCxn id="9" idx="2"/>
+              <a:endCxn id="14" idx="0"/>
+            </p:cNvCxnSpPr>
+            <p:nvPr/>
+          </p:nvCxnSpPr>
+          <p:spPr>
+            <a:xfrm flipH="1">
+              <a:off x="6118328" y="2798948"/>
+              <a:ext cx="1" cy="640269"/>
+            </a:xfrm>
+            <a:prstGeom prst="straightConnector1">
+              <a:avLst/>
+            </a:prstGeom>
+            <a:ln w="12700">
+              <a:solidFill>
+                <a:schemeClr val="tx1"/>
+              </a:solidFill>
+              <a:tailEnd type="triangle"/>
+            </a:ln>
+          </p:spPr>
+          <p:style>
+            <a:lnRef idx="1">
+              <a:schemeClr val="accent1"/>
+            </a:lnRef>
+            <a:fillRef idx="0">
+              <a:schemeClr val="accent1"/>
+            </a:fillRef>
+            <a:effectRef idx="0">
+              <a:schemeClr val="accent1"/>
+            </a:effectRef>
+            <a:fontRef idx="minor">
+              <a:schemeClr val="tx1"/>
+            </a:fontRef>
+          </p:style>
+        </p:cxnSp>
+        <p:cxnSp>
+          <p:nvCxnSpPr>
+            <p:cNvPr id="34" name="직선 화살표 연결선 33">
+              <a:extLst>
+                <a:ext uri="{FF2B5EF4-FFF2-40B4-BE49-F238E27FC236}">
+                  <a16:creationId xmlns:a16="http://schemas.microsoft.com/office/drawing/2014/main" id="{7C23C5A4-766B-F1CD-31F6-EDF595F228D3}"/>
+                </a:ext>
+              </a:extLst>
+            </p:cNvPr>
+            <p:cNvCxnSpPr>
+              <a:stCxn id="14" idx="2"/>
+              <a:endCxn id="24" idx="0"/>
+            </p:cNvCxnSpPr>
+            <p:nvPr/>
+          </p:nvCxnSpPr>
+          <p:spPr>
+            <a:xfrm>
+              <a:off x="6118328" y="3907717"/>
+              <a:ext cx="0" cy="1103057"/>
+            </a:xfrm>
+            <a:prstGeom prst="straightConnector1">
+              <a:avLst/>
+            </a:prstGeom>
+            <a:ln w="12700">
+              <a:solidFill>
+                <a:schemeClr val="tx1"/>
+              </a:solidFill>
+              <a:tailEnd type="triangle"/>
+            </a:ln>
+          </p:spPr>
+          <p:style>
+            <a:lnRef idx="1">
+              <a:schemeClr val="accent1"/>
+            </a:lnRef>
+            <a:fillRef idx="0">
+              <a:schemeClr val="accent1"/>
+            </a:fillRef>
+            <a:effectRef idx="0">
+              <a:schemeClr val="accent1"/>
+            </a:effectRef>
+            <a:fontRef idx="minor">
+              <a:schemeClr val="tx1"/>
+            </a:fontRef>
+          </p:style>
         </p:cxnSp>
       </p:grpSp>
       <p:grpSp>
         <p:nvGrpSpPr>
-          <p:cNvPr id="96" name="그룹 95">
-            <a:extLst>
-              <a:ext uri="{FF2B5EF4-FFF2-40B4-BE49-F238E27FC236}">
-                <a16:creationId xmlns:a16="http://schemas.microsoft.com/office/drawing/2014/main" id="{05995BD8-F150-A326-008D-4736F8B071CA}"/>
+          <p:cNvPr id="61" name="그룹 60">
+            <a:extLst>
+              <a:ext uri="{FF2B5EF4-FFF2-40B4-BE49-F238E27FC236}">
+                <a16:creationId xmlns:a16="http://schemas.microsoft.com/office/drawing/2014/main" id="{125EF5AD-6002-3F94-6C59-4D0DA46B20FE}"/>
               </a:ext>
             </a:extLst>
           </p:cNvPr>
@@ -3851,10 +3844,10 @@
         </p:nvGrpSpPr>
         <p:grpSpPr>
           <a:xfrm>
-            <a:off x="2220685" y="1113961"/>
-            <a:ext cx="9423448" cy="468500"/>
-            <a:chOff x="2220685" y="1066801"/>
-            <a:chExt cx="9423448" cy="468500"/>
+            <a:off x="7730950" y="2330448"/>
+            <a:ext cx="2074476" cy="2914576"/>
+            <a:chOff x="7730950" y="2330448"/>
+            <a:chExt cx="2074476" cy="2914576"/>
           </a:xfrm>
         </p:grpSpPr>
         <p:sp>
@@ -3871,12 +3864,17 @@
           </p:nvSpPr>
           <p:spPr>
             <a:xfrm>
-              <a:off x="2220685" y="1066801"/>
+              <a:off x="8127149" y="2330448"/>
               <a:ext cx="1282079" cy="468500"/>
             </a:xfrm>
             <a:prstGeom prst="rect">
               <a:avLst/>
             </a:prstGeom>
+            <a:ln w="12700">
+              <a:solidFill>
+                <a:schemeClr val="tx1"/>
+              </a:solidFill>
+            </a:ln>
           </p:spPr>
           <p:style>
             <a:lnRef idx="2">
@@ -3923,12 +3921,17 @@
           </p:nvSpPr>
           <p:spPr>
             <a:xfrm>
-              <a:off x="4484914" y="1066801"/>
+              <a:off x="7730950" y="3439217"/>
               <a:ext cx="2074476" cy="468500"/>
             </a:xfrm>
             <a:prstGeom prst="rect">
               <a:avLst/>
             </a:prstGeom>
+            <a:ln w="12700">
+              <a:solidFill>
+                <a:schemeClr val="tx1"/>
+              </a:solidFill>
+            </a:ln>
           </p:spPr>
           <p:style>
             <a:lnRef idx="2">
@@ -3970,12 +3973,17 @@
           </p:nvSpPr>
           <p:spPr>
             <a:xfrm>
-              <a:off x="7489372" y="1066801"/>
+              <a:off x="7904565" y="4776524"/>
               <a:ext cx="1727246" cy="468500"/>
             </a:xfrm>
             <a:prstGeom prst="rect">
               <a:avLst/>
             </a:prstGeom>
+            <a:ln w="12700">
+              <a:solidFill>
+                <a:schemeClr val="tx1"/>
+              </a:solidFill>
+            </a:ln>
           </p:spPr>
           <p:style>
             <a:lnRef idx="2">
@@ -4003,1611 +4011,181 @@
             </a:p>
           </p:txBody>
         </p:sp>
-        <p:sp>
-          <p:nvSpPr>
-            <p:cNvPr id="27" name="직사각형 26">
+        <p:cxnSp>
+          <p:nvCxnSpPr>
+            <p:cNvPr id="36" name="직선 화살표 연결선 35">
               <a:extLst>
                 <a:ext uri="{FF2B5EF4-FFF2-40B4-BE49-F238E27FC236}">
-                  <a16:creationId xmlns:a16="http://schemas.microsoft.com/office/drawing/2014/main" id="{0892B158-223E-BAD7-F4F0-0D5521D5DF91}"/>
-                </a:ext>
-              </a:extLst>
-            </p:cNvPr>
-            <p:cNvSpPr/>
-            <p:nvPr/>
-          </p:nvSpPr>
-          <p:spPr>
-            <a:xfrm>
-              <a:off x="9916887" y="1066801"/>
-              <a:ext cx="1727246" cy="468500"/>
-            </a:xfrm>
-            <a:prstGeom prst="rect">
-              <a:avLst/>
-            </a:prstGeom>
-          </p:spPr>
-          <p:style>
-            <a:lnRef idx="2">
-              <a:schemeClr val="dk1"/>
-            </a:lnRef>
-            <a:fillRef idx="1">
-              <a:schemeClr val="lt1"/>
-            </a:fillRef>
-            <a:effectRef idx="0">
-              <a:schemeClr val="dk1"/>
-            </a:effectRef>
-            <a:fontRef idx="minor">
-              <a:schemeClr val="dk1"/>
-            </a:fontRef>
-          </p:style>
-          <p:txBody>
-            <a:bodyPr rtlCol="0" anchor="ctr"/>
-            <a:lstStyle/>
-            <a:p>
-              <a:pPr algn="ctr"/>
-              <a:r>
-                <a:rPr lang="ko-KR" altLang="en-US" sz="1500" dirty="0"/>
-                <a:t>추가 데이터 확인</a:t>
-              </a:r>
-            </a:p>
-          </p:txBody>
-        </p:sp>
-        <p:cxnSp>
-          <p:nvCxnSpPr>
-            <p:cNvPr id="47" name="직선 화살표 연결선 46">
-              <a:extLst>
-                <a:ext uri="{FF2B5EF4-FFF2-40B4-BE49-F238E27FC236}">
-                  <a16:creationId xmlns:a16="http://schemas.microsoft.com/office/drawing/2014/main" id="{E307D1CD-BED2-C973-0577-13A886D8AF77}"/>
+                  <a16:creationId xmlns:a16="http://schemas.microsoft.com/office/drawing/2014/main" id="{1957354A-B6F4-0602-7F60-5A14C8AD8B87}"/>
                 </a:ext>
               </a:extLst>
             </p:cNvPr>
             <p:cNvCxnSpPr>
-              <a:cxnSpLocks/>
+              <a:stCxn id="6" idx="2"/>
+              <a:endCxn id="19" idx="0"/>
+            </p:cNvCxnSpPr>
+            <p:nvPr/>
+          </p:nvCxnSpPr>
+          <p:spPr>
+            <a:xfrm flipH="1">
+              <a:off x="8768188" y="2798948"/>
+              <a:ext cx="1" cy="640269"/>
+            </a:xfrm>
+            <a:prstGeom prst="straightConnector1">
+              <a:avLst/>
+            </a:prstGeom>
+            <a:ln w="12700">
+              <a:solidFill>
+                <a:schemeClr val="tx1"/>
+              </a:solidFill>
+              <a:tailEnd type="triangle"/>
+            </a:ln>
+          </p:spPr>
+          <p:style>
+            <a:lnRef idx="1">
+              <a:schemeClr val="accent1"/>
+            </a:lnRef>
+            <a:fillRef idx="0">
+              <a:schemeClr val="accent1"/>
+            </a:fillRef>
+            <a:effectRef idx="0">
+              <a:schemeClr val="accent1"/>
+            </a:effectRef>
+            <a:fontRef idx="minor">
+              <a:schemeClr val="tx1"/>
+            </a:fontRef>
+          </p:style>
+        </p:cxnSp>
+        <p:cxnSp>
+          <p:nvCxnSpPr>
+            <p:cNvPr id="40" name="직선 화살표 연결선 39">
+              <a:extLst>
+                <a:ext uri="{FF2B5EF4-FFF2-40B4-BE49-F238E27FC236}">
+                  <a16:creationId xmlns:a16="http://schemas.microsoft.com/office/drawing/2014/main" id="{9671A445-B164-FFCB-FCE3-3EA35C46B1BC}"/>
+                </a:ext>
+              </a:extLst>
+            </p:cNvPr>
+            <p:cNvCxnSpPr>
+              <a:stCxn id="19" idx="2"/>
+              <a:endCxn id="26" idx="0"/>
             </p:cNvCxnSpPr>
             <p:nvPr/>
           </p:nvCxnSpPr>
           <p:spPr>
             <a:xfrm>
-              <a:off x="3502764" y="1301051"/>
-              <a:ext cx="982150" cy="0"/>
+              <a:off x="8768188" y="3907717"/>
+              <a:ext cx="0" cy="868807"/>
             </a:xfrm>
             <a:prstGeom prst="straightConnector1">
               <a:avLst/>
             </a:prstGeom>
-            <a:ln>
+            <a:ln w="12700">
+              <a:solidFill>
+                <a:schemeClr val="tx1"/>
+              </a:solidFill>
               <a:tailEnd type="triangle"/>
             </a:ln>
           </p:spPr>
           <p:style>
-            <a:lnRef idx="2">
-              <a:schemeClr val="dk1"/>
+            <a:lnRef idx="1">
+              <a:schemeClr val="accent1"/>
             </a:lnRef>
-            <a:fillRef idx="1">
-              <a:schemeClr val="lt1"/>
+            <a:fillRef idx="0">
+              <a:schemeClr val="accent1"/>
             </a:fillRef>
             <a:effectRef idx="0">
-              <a:schemeClr val="dk1"/>
+              <a:schemeClr val="accent1"/>
             </a:effectRef>
             <a:fontRef idx="minor">
-              <a:schemeClr val="dk1"/>
-            </a:fontRef>
-          </p:style>
-        </p:cxnSp>
-        <p:cxnSp>
-          <p:nvCxnSpPr>
-            <p:cNvPr id="49" name="직선 화살표 연결선 48">
-              <a:extLst>
-                <a:ext uri="{FF2B5EF4-FFF2-40B4-BE49-F238E27FC236}">
-                  <a16:creationId xmlns:a16="http://schemas.microsoft.com/office/drawing/2014/main" id="{E8B09D53-C325-C82C-E984-4643871F736D}"/>
-                </a:ext>
-              </a:extLst>
-            </p:cNvPr>
-            <p:cNvCxnSpPr>
-              <a:cxnSpLocks/>
-            </p:cNvCxnSpPr>
-            <p:nvPr/>
-          </p:nvCxnSpPr>
-          <p:spPr>
-            <a:xfrm>
-              <a:off x="6559390" y="1301051"/>
-              <a:ext cx="929982" cy="0"/>
-            </a:xfrm>
-            <a:prstGeom prst="straightConnector1">
-              <a:avLst/>
-            </a:prstGeom>
-            <a:ln>
-              <a:tailEnd type="triangle"/>
-            </a:ln>
-          </p:spPr>
-          <p:style>
-            <a:lnRef idx="2">
-              <a:schemeClr val="dk1"/>
-            </a:lnRef>
-            <a:fillRef idx="1">
-              <a:schemeClr val="lt1"/>
-            </a:fillRef>
-            <a:effectRef idx="0">
-              <a:schemeClr val="dk1"/>
-            </a:effectRef>
-            <a:fontRef idx="minor">
-              <a:schemeClr val="dk1"/>
-            </a:fontRef>
-          </p:style>
-        </p:cxnSp>
-        <p:cxnSp>
-          <p:nvCxnSpPr>
-            <p:cNvPr id="51" name="직선 화살표 연결선 50">
-              <a:extLst>
-                <a:ext uri="{FF2B5EF4-FFF2-40B4-BE49-F238E27FC236}">
-                  <a16:creationId xmlns:a16="http://schemas.microsoft.com/office/drawing/2014/main" id="{11288B14-22A5-D030-6BAB-52245538F414}"/>
-                </a:ext>
-              </a:extLst>
-            </p:cNvPr>
-            <p:cNvCxnSpPr>
-              <a:cxnSpLocks/>
-            </p:cNvCxnSpPr>
-            <p:nvPr/>
-          </p:nvCxnSpPr>
-          <p:spPr>
-            <a:xfrm>
-              <a:off x="9216618" y="1301051"/>
-              <a:ext cx="700269" cy="0"/>
-            </a:xfrm>
-            <a:prstGeom prst="straightConnector1">
-              <a:avLst/>
-            </a:prstGeom>
-            <a:ln>
-              <a:tailEnd type="triangle"/>
-            </a:ln>
-          </p:spPr>
-          <p:style>
-            <a:lnRef idx="2">
-              <a:schemeClr val="dk1"/>
-            </a:lnRef>
-            <a:fillRef idx="1">
-              <a:schemeClr val="lt1"/>
-            </a:fillRef>
-            <a:effectRef idx="0">
-              <a:schemeClr val="dk1"/>
-            </a:effectRef>
-            <a:fontRef idx="minor">
-              <a:schemeClr val="dk1"/>
-            </a:fontRef>
-          </p:style>
-        </p:cxnSp>
-      </p:grpSp>
-      <p:grpSp>
-        <p:nvGrpSpPr>
-          <p:cNvPr id="97" name="그룹 96">
-            <a:extLst>
-              <a:ext uri="{FF2B5EF4-FFF2-40B4-BE49-F238E27FC236}">
-                <a16:creationId xmlns:a16="http://schemas.microsoft.com/office/drawing/2014/main" id="{33C48752-3FE3-E7CB-B837-F88E8AF0A7A3}"/>
-              </a:ext>
-            </a:extLst>
-          </p:cNvPr>
-          <p:cNvGrpSpPr/>
-          <p:nvPr/>
-        </p:nvGrpSpPr>
-        <p:grpSpPr>
-          <a:xfrm>
-            <a:off x="2220685" y="1803380"/>
-            <a:ext cx="7692619" cy="468500"/>
-            <a:chOff x="2220685" y="1803380"/>
-            <a:chExt cx="7692619" cy="468500"/>
-          </a:xfrm>
-        </p:grpSpPr>
-        <p:sp>
-          <p:nvSpPr>
-            <p:cNvPr id="7" name="직사각형 6">
-              <a:extLst>
-                <a:ext uri="{FF2B5EF4-FFF2-40B4-BE49-F238E27FC236}">
-                  <a16:creationId xmlns:a16="http://schemas.microsoft.com/office/drawing/2014/main" id="{4AB2DD1C-B60B-7F43-CD34-C3C5F7504DFE}"/>
-                </a:ext>
-              </a:extLst>
-            </p:cNvPr>
-            <p:cNvSpPr/>
-            <p:nvPr/>
-          </p:nvSpPr>
-          <p:spPr>
-            <a:xfrm>
-              <a:off x="2220685" y="1803380"/>
-              <a:ext cx="1282079" cy="468500"/>
-            </a:xfrm>
-            <a:prstGeom prst="rect">
-              <a:avLst/>
-            </a:prstGeom>
-          </p:spPr>
-          <p:style>
-            <a:lnRef idx="2">
-              <a:schemeClr val="dk1"/>
-            </a:lnRef>
-            <a:fillRef idx="1">
-              <a:schemeClr val="lt1"/>
-            </a:fillRef>
-            <a:effectRef idx="0">
-              <a:schemeClr val="dk1"/>
-            </a:effectRef>
-            <a:fontRef idx="minor">
-              <a:schemeClr val="dk1"/>
-            </a:fontRef>
-          </p:style>
-          <p:txBody>
-            <a:bodyPr rtlCol="0" anchor="ctr"/>
-            <a:lstStyle/>
-            <a:p>
-              <a:pPr algn="ctr"/>
-              <a:r>
-                <a:rPr lang="ko-KR" altLang="en-US" sz="1500" dirty="0"/>
-                <a:t>대동여酒도</a:t>
-              </a:r>
-            </a:p>
-          </p:txBody>
-        </p:sp>
-        <p:sp>
-          <p:nvSpPr>
-            <p:cNvPr id="20" name="직사각형 19">
-              <a:extLst>
-                <a:ext uri="{FF2B5EF4-FFF2-40B4-BE49-F238E27FC236}">
-                  <a16:creationId xmlns:a16="http://schemas.microsoft.com/office/drawing/2014/main" id="{029BEA63-CAC7-E5A9-B529-4DDD3A720F29}"/>
-                </a:ext>
-              </a:extLst>
-            </p:cNvPr>
-            <p:cNvSpPr/>
-            <p:nvPr/>
-          </p:nvSpPr>
-          <p:spPr>
-            <a:xfrm>
-              <a:off x="4455701" y="1803380"/>
-              <a:ext cx="2457318" cy="468500"/>
-            </a:xfrm>
-            <a:prstGeom prst="rect">
-              <a:avLst/>
-            </a:prstGeom>
-          </p:spPr>
-          <p:style>
-            <a:lnRef idx="2">
-              <a:schemeClr val="dk1"/>
-            </a:lnRef>
-            <a:fillRef idx="1">
-              <a:schemeClr val="lt1"/>
-            </a:fillRef>
-            <a:effectRef idx="0">
-              <a:schemeClr val="dk1"/>
-            </a:effectRef>
-            <a:fontRef idx="minor">
-              <a:schemeClr val="dk1"/>
-            </a:fontRef>
-          </p:style>
-          <p:txBody>
-            <a:bodyPr rtlCol="0" anchor="ctr"/>
-            <a:lstStyle/>
-            <a:p>
-              <a:pPr algn="ctr"/>
-              <a:r>
-                <a:rPr lang="ko-KR" altLang="en-US" sz="1500" dirty="0"/>
-                <a:t>지도상에서 양조장 확인</a:t>
-              </a:r>
-            </a:p>
-          </p:txBody>
-        </p:sp>
-        <p:sp>
-          <p:nvSpPr>
-            <p:cNvPr id="28" name="직사각형 27">
-              <a:extLst>
-                <a:ext uri="{FF2B5EF4-FFF2-40B4-BE49-F238E27FC236}">
-                  <a16:creationId xmlns:a16="http://schemas.microsoft.com/office/drawing/2014/main" id="{9BBDEC1D-F95F-0D08-38CE-33001126A370}"/>
-                </a:ext>
-              </a:extLst>
-            </p:cNvPr>
-            <p:cNvSpPr/>
-            <p:nvPr/>
-          </p:nvSpPr>
-          <p:spPr>
-            <a:xfrm>
-              <a:off x="8186058" y="1803380"/>
-              <a:ext cx="1727246" cy="468500"/>
-            </a:xfrm>
-            <a:prstGeom prst="rect">
-              <a:avLst/>
-            </a:prstGeom>
-          </p:spPr>
-          <p:style>
-            <a:lnRef idx="2">
-              <a:schemeClr val="dk1"/>
-            </a:lnRef>
-            <a:fillRef idx="1">
-              <a:schemeClr val="lt1"/>
-            </a:fillRef>
-            <a:effectRef idx="0">
-              <a:schemeClr val="dk1"/>
-            </a:effectRef>
-            <a:fontRef idx="minor">
-              <a:schemeClr val="dk1"/>
-            </a:fontRef>
-          </p:style>
-          <p:txBody>
-            <a:bodyPr rtlCol="0" anchor="ctr"/>
-            <a:lstStyle/>
-            <a:p>
-              <a:pPr algn="ctr"/>
-              <a:r>
-                <a:rPr lang="ko-KR" altLang="en-US" sz="1500"/>
-                <a:t>양조장 정보 확인 </a:t>
-              </a:r>
-              <a:endParaRPr lang="ko-KR" altLang="en-US" sz="1500" dirty="0"/>
-            </a:p>
-          </p:txBody>
-        </p:sp>
-        <p:cxnSp>
-          <p:nvCxnSpPr>
-            <p:cNvPr id="55" name="직선 화살표 연결선 54">
-              <a:extLst>
-                <a:ext uri="{FF2B5EF4-FFF2-40B4-BE49-F238E27FC236}">
-                  <a16:creationId xmlns:a16="http://schemas.microsoft.com/office/drawing/2014/main" id="{B76A8223-78F8-652A-6CAF-30F8320D3B4D}"/>
-                </a:ext>
-              </a:extLst>
-            </p:cNvPr>
-            <p:cNvCxnSpPr>
-              <a:cxnSpLocks/>
-            </p:cNvCxnSpPr>
-            <p:nvPr/>
-          </p:nvCxnSpPr>
-          <p:spPr>
-            <a:xfrm>
-              <a:off x="3502764" y="2037630"/>
-              <a:ext cx="952937" cy="0"/>
-            </a:xfrm>
-            <a:prstGeom prst="straightConnector1">
-              <a:avLst/>
-            </a:prstGeom>
-            <a:ln>
-              <a:tailEnd type="triangle"/>
-            </a:ln>
-          </p:spPr>
-          <p:style>
-            <a:lnRef idx="2">
-              <a:schemeClr val="dk1"/>
-            </a:lnRef>
-            <a:fillRef idx="1">
-              <a:schemeClr val="lt1"/>
-            </a:fillRef>
-            <a:effectRef idx="0">
-              <a:schemeClr val="dk1"/>
-            </a:effectRef>
-            <a:fontRef idx="minor">
-              <a:schemeClr val="dk1"/>
-            </a:fontRef>
-          </p:style>
-        </p:cxnSp>
-        <p:cxnSp>
-          <p:nvCxnSpPr>
-            <p:cNvPr id="60" name="직선 화살표 연결선 59">
-              <a:extLst>
-                <a:ext uri="{FF2B5EF4-FFF2-40B4-BE49-F238E27FC236}">
-                  <a16:creationId xmlns:a16="http://schemas.microsoft.com/office/drawing/2014/main" id="{E744F266-F3B4-90B0-5A71-4DF1EE8D30D8}"/>
-                </a:ext>
-              </a:extLst>
-            </p:cNvPr>
-            <p:cNvCxnSpPr>
-              <a:cxnSpLocks/>
-            </p:cNvCxnSpPr>
-            <p:nvPr/>
-          </p:nvCxnSpPr>
-          <p:spPr>
-            <a:xfrm>
-              <a:off x="6913019" y="2037630"/>
-              <a:ext cx="1273039" cy="0"/>
-            </a:xfrm>
-            <a:prstGeom prst="straightConnector1">
-              <a:avLst/>
-            </a:prstGeom>
-            <a:ln>
-              <a:tailEnd type="triangle"/>
-            </a:ln>
-          </p:spPr>
-          <p:style>
-            <a:lnRef idx="2">
-              <a:schemeClr val="dk1"/>
-            </a:lnRef>
-            <a:fillRef idx="1">
-              <a:schemeClr val="lt1"/>
-            </a:fillRef>
-            <a:effectRef idx="0">
-              <a:schemeClr val="dk1"/>
-            </a:effectRef>
-            <a:fontRef idx="minor">
-              <a:schemeClr val="dk1"/>
-            </a:fontRef>
-          </p:style>
-        </p:cxnSp>
-      </p:grpSp>
-      <p:grpSp>
-        <p:nvGrpSpPr>
-          <p:cNvPr id="93" name="그룹 92">
-            <a:extLst>
-              <a:ext uri="{FF2B5EF4-FFF2-40B4-BE49-F238E27FC236}">
-                <a16:creationId xmlns:a16="http://schemas.microsoft.com/office/drawing/2014/main" id="{7C3A757D-662E-4F9E-D477-97CE59072E55}"/>
-              </a:ext>
-            </a:extLst>
-          </p:cNvPr>
-          <p:cNvGrpSpPr/>
-          <p:nvPr/>
-        </p:nvGrpSpPr>
-        <p:grpSpPr>
-          <a:xfrm>
-            <a:off x="2220685" y="2483183"/>
-            <a:ext cx="3991476" cy="2199330"/>
-            <a:chOff x="2220685" y="2319893"/>
-            <a:chExt cx="3991476" cy="2199330"/>
-          </a:xfrm>
-        </p:grpSpPr>
-        <p:sp>
-          <p:nvSpPr>
-            <p:cNvPr id="8" name="직사각형 7">
-              <a:extLst>
-                <a:ext uri="{FF2B5EF4-FFF2-40B4-BE49-F238E27FC236}">
-                  <a16:creationId xmlns:a16="http://schemas.microsoft.com/office/drawing/2014/main" id="{D0E07479-4DEC-0A9D-E779-676F965DC205}"/>
-                </a:ext>
-              </a:extLst>
-            </p:cNvPr>
-            <p:cNvSpPr/>
-            <p:nvPr/>
-          </p:nvSpPr>
-          <p:spPr>
-            <a:xfrm>
-              <a:off x="2220685" y="2570265"/>
-              <a:ext cx="1282079" cy="468500"/>
-            </a:xfrm>
-            <a:prstGeom prst="rect">
-              <a:avLst/>
-            </a:prstGeom>
-          </p:spPr>
-          <p:style>
-            <a:lnRef idx="2">
-              <a:schemeClr val="dk1"/>
-            </a:lnRef>
-            <a:fillRef idx="1">
-              <a:schemeClr val="lt1"/>
-            </a:fillRef>
-            <a:effectRef idx="0">
-              <a:schemeClr val="dk1"/>
-            </a:effectRef>
-            <a:fontRef idx="minor">
-              <a:schemeClr val="dk1"/>
-            </a:fontRef>
-          </p:style>
-          <p:txBody>
-            <a:bodyPr rtlCol="0" anchor="ctr"/>
-            <a:lstStyle/>
-            <a:p>
-              <a:pPr algn="ctr"/>
-              <a:r>
-                <a:rPr lang="ko-KR" altLang="en-US" sz="1500" dirty="0"/>
-                <a:t>검색</a:t>
-              </a:r>
-            </a:p>
-          </p:txBody>
-        </p:sp>
-        <p:sp>
-          <p:nvSpPr>
-            <p:cNvPr id="9" name="직사각형 8">
-              <a:extLst>
-                <a:ext uri="{FF2B5EF4-FFF2-40B4-BE49-F238E27FC236}">
-                  <a16:creationId xmlns:a16="http://schemas.microsoft.com/office/drawing/2014/main" id="{B42BC0BD-44D4-C253-FBF8-705C349C44AC}"/>
-                </a:ext>
-              </a:extLst>
-            </p:cNvPr>
-            <p:cNvSpPr/>
-            <p:nvPr/>
-          </p:nvSpPr>
-          <p:spPr>
-            <a:xfrm>
-              <a:off x="2220685" y="3958193"/>
-              <a:ext cx="1282079" cy="468500"/>
-            </a:xfrm>
-            <a:prstGeom prst="rect">
-              <a:avLst/>
-            </a:prstGeom>
-          </p:spPr>
-          <p:style>
-            <a:lnRef idx="2">
-              <a:schemeClr val="dk1"/>
-            </a:lnRef>
-            <a:fillRef idx="1">
-              <a:schemeClr val="lt1"/>
-            </a:fillRef>
-            <a:effectRef idx="0">
-              <a:schemeClr val="dk1"/>
-            </a:effectRef>
-            <a:fontRef idx="minor">
-              <a:schemeClr val="dk1"/>
-            </a:fontRef>
-          </p:style>
-          <p:txBody>
-            <a:bodyPr rtlCol="0" anchor="ctr"/>
-            <a:lstStyle/>
-            <a:p>
-              <a:pPr algn="ctr"/>
-              <a:r>
-                <a:rPr lang="ko-KR" altLang="en-US" sz="1500" dirty="0"/>
-                <a:t>정보</a:t>
-              </a:r>
-            </a:p>
-          </p:txBody>
-        </p:sp>
-        <p:sp>
-          <p:nvSpPr>
-            <p:cNvPr id="14" name="직사각형 13">
-              <a:extLst>
-                <a:ext uri="{FF2B5EF4-FFF2-40B4-BE49-F238E27FC236}">
-                  <a16:creationId xmlns:a16="http://schemas.microsoft.com/office/drawing/2014/main" id="{332173B0-4479-658E-4F7A-54FC6D252F18}"/>
-                </a:ext>
-              </a:extLst>
-            </p:cNvPr>
-            <p:cNvSpPr/>
-            <p:nvPr/>
-          </p:nvSpPr>
-          <p:spPr>
-            <a:xfrm>
-              <a:off x="4484915" y="3506437"/>
-              <a:ext cx="1727246" cy="468500"/>
-            </a:xfrm>
-            <a:prstGeom prst="rect">
-              <a:avLst/>
-            </a:prstGeom>
-          </p:spPr>
-          <p:style>
-            <a:lnRef idx="2">
-              <a:schemeClr val="dk1"/>
-            </a:lnRef>
-            <a:fillRef idx="1">
-              <a:schemeClr val="lt1"/>
-            </a:fillRef>
-            <a:effectRef idx="0">
-              <a:schemeClr val="dk1"/>
-            </a:effectRef>
-            <a:fontRef idx="minor">
-              <a:schemeClr val="dk1"/>
-            </a:fontRef>
-          </p:style>
-          <p:txBody>
-            <a:bodyPr rtlCol="0" anchor="ctr"/>
-            <a:lstStyle/>
-            <a:p>
-              <a:pPr algn="ctr"/>
-              <a:r>
-                <a:rPr lang="ko-KR" altLang="en-US" sz="1500" dirty="0" err="1"/>
-                <a:t>전통주</a:t>
-              </a:r>
-              <a:r>
-                <a:rPr lang="ko-KR" altLang="en-US" sz="1500" dirty="0"/>
-                <a:t> 정보</a:t>
-              </a:r>
-            </a:p>
-          </p:txBody>
-        </p:sp>
-        <p:sp>
-          <p:nvSpPr>
-            <p:cNvPr id="15" name="직사각형 14">
-              <a:extLst>
-                <a:ext uri="{FF2B5EF4-FFF2-40B4-BE49-F238E27FC236}">
-                  <a16:creationId xmlns:a16="http://schemas.microsoft.com/office/drawing/2014/main" id="{A49A9CD2-63E0-28E3-F481-E9BA93D7F93C}"/>
-                </a:ext>
-              </a:extLst>
-            </p:cNvPr>
-            <p:cNvSpPr/>
-            <p:nvPr/>
-          </p:nvSpPr>
-          <p:spPr>
-            <a:xfrm>
-              <a:off x="4484915" y="4050723"/>
-              <a:ext cx="1727246" cy="468500"/>
-            </a:xfrm>
-            <a:prstGeom prst="rect">
-              <a:avLst/>
-            </a:prstGeom>
-          </p:spPr>
-          <p:style>
-            <a:lnRef idx="2">
-              <a:schemeClr val="dk1"/>
-            </a:lnRef>
-            <a:fillRef idx="1">
-              <a:schemeClr val="lt1"/>
-            </a:fillRef>
-            <a:effectRef idx="0">
-              <a:schemeClr val="dk1"/>
-            </a:effectRef>
-            <a:fontRef idx="minor">
-              <a:schemeClr val="dk1"/>
-            </a:fontRef>
-          </p:style>
-          <p:txBody>
-            <a:bodyPr rtlCol="0" anchor="ctr"/>
-            <a:lstStyle/>
-            <a:p>
-              <a:pPr algn="ctr"/>
-              <a:r>
-                <a:rPr lang="ko-KR" altLang="en-US" sz="1500" dirty="0"/>
-                <a:t>양조장 정보</a:t>
-              </a:r>
-            </a:p>
-          </p:txBody>
-        </p:sp>
-        <p:sp>
-          <p:nvSpPr>
-            <p:cNvPr id="22" name="직사각형 21">
-              <a:extLst>
-                <a:ext uri="{FF2B5EF4-FFF2-40B4-BE49-F238E27FC236}">
-                  <a16:creationId xmlns:a16="http://schemas.microsoft.com/office/drawing/2014/main" id="{B020348B-27E9-1E14-58E5-04ABADB16690}"/>
-                </a:ext>
-              </a:extLst>
-            </p:cNvPr>
-            <p:cNvSpPr/>
-            <p:nvPr/>
-          </p:nvSpPr>
-          <p:spPr>
-            <a:xfrm>
-              <a:off x="4484915" y="2319893"/>
-              <a:ext cx="1727246" cy="468500"/>
-            </a:xfrm>
-            <a:prstGeom prst="rect">
-              <a:avLst/>
-            </a:prstGeom>
-          </p:spPr>
-          <p:style>
-            <a:lnRef idx="2">
-              <a:schemeClr val="dk1"/>
-            </a:lnRef>
-            <a:fillRef idx="1">
-              <a:schemeClr val="lt1"/>
-            </a:fillRef>
-            <a:effectRef idx="0">
-              <a:schemeClr val="dk1"/>
-            </a:effectRef>
-            <a:fontRef idx="minor">
-              <a:schemeClr val="dk1"/>
-            </a:fontRef>
-          </p:style>
-          <p:txBody>
-            <a:bodyPr rtlCol="0" anchor="ctr"/>
-            <a:lstStyle/>
-            <a:p>
-              <a:pPr algn="ctr"/>
-              <a:r>
-                <a:rPr lang="ko-KR" altLang="en-US" sz="1500" dirty="0" err="1"/>
-                <a:t>전통주</a:t>
-              </a:r>
-              <a:r>
-                <a:rPr lang="ko-KR" altLang="en-US" sz="1500" dirty="0"/>
-                <a:t> 검색</a:t>
-              </a:r>
-            </a:p>
-          </p:txBody>
-        </p:sp>
-        <p:sp>
-          <p:nvSpPr>
-            <p:cNvPr id="23" name="직사각형 22">
-              <a:extLst>
-                <a:ext uri="{FF2B5EF4-FFF2-40B4-BE49-F238E27FC236}">
-                  <a16:creationId xmlns:a16="http://schemas.microsoft.com/office/drawing/2014/main" id="{CB1B7D8E-90EA-BBE1-144B-60EB7C17ECCE}"/>
-                </a:ext>
-              </a:extLst>
-            </p:cNvPr>
-            <p:cNvSpPr/>
-            <p:nvPr/>
-          </p:nvSpPr>
-          <p:spPr>
-            <a:xfrm>
-              <a:off x="4484915" y="2864179"/>
-              <a:ext cx="1727246" cy="468500"/>
-            </a:xfrm>
-            <a:prstGeom prst="rect">
-              <a:avLst/>
-            </a:prstGeom>
-          </p:spPr>
-          <p:style>
-            <a:lnRef idx="2">
-              <a:schemeClr val="dk1"/>
-            </a:lnRef>
-            <a:fillRef idx="1">
-              <a:schemeClr val="lt1"/>
-            </a:fillRef>
-            <a:effectRef idx="0">
-              <a:schemeClr val="dk1"/>
-            </a:effectRef>
-            <a:fontRef idx="minor">
-              <a:schemeClr val="dk1"/>
-            </a:fontRef>
-          </p:style>
-          <p:txBody>
-            <a:bodyPr rtlCol="0" anchor="ctr"/>
-            <a:lstStyle/>
-            <a:p>
-              <a:pPr algn="ctr"/>
-              <a:r>
-                <a:rPr lang="ko-KR" altLang="en-US" sz="1500" dirty="0"/>
-                <a:t>양조장 검색</a:t>
-              </a:r>
-            </a:p>
-          </p:txBody>
-        </p:sp>
-        <p:cxnSp>
-          <p:nvCxnSpPr>
-            <p:cNvPr id="62" name="연결선: 꺾임 61">
-              <a:extLst>
-                <a:ext uri="{FF2B5EF4-FFF2-40B4-BE49-F238E27FC236}">
-                  <a16:creationId xmlns:a16="http://schemas.microsoft.com/office/drawing/2014/main" id="{8BABDD41-57A1-8DC6-5534-627BD95DBD86}"/>
-                </a:ext>
-              </a:extLst>
-            </p:cNvPr>
-            <p:cNvCxnSpPr>
-              <a:stCxn id="8" idx="3"/>
-              <a:endCxn id="22" idx="1"/>
-            </p:cNvCxnSpPr>
-            <p:nvPr/>
-          </p:nvCxnSpPr>
-          <p:spPr>
-            <a:xfrm flipV="1">
-              <a:off x="3502764" y="2554143"/>
-              <a:ext cx="982151" cy="250372"/>
-            </a:xfrm>
-            <a:prstGeom prst="bentConnector3">
-              <a:avLst/>
-            </a:prstGeom>
-            <a:ln>
-              <a:tailEnd type="triangle"/>
-            </a:ln>
-          </p:spPr>
-          <p:style>
-            <a:lnRef idx="2">
-              <a:schemeClr val="dk1"/>
-            </a:lnRef>
-            <a:fillRef idx="1">
-              <a:schemeClr val="lt1"/>
-            </a:fillRef>
-            <a:effectRef idx="0">
-              <a:schemeClr val="dk1"/>
-            </a:effectRef>
-            <a:fontRef idx="minor">
-              <a:schemeClr val="dk1"/>
-            </a:fontRef>
-          </p:style>
-        </p:cxnSp>
-        <p:cxnSp>
-          <p:nvCxnSpPr>
-            <p:cNvPr id="64" name="연결선: 꺾임 63">
-              <a:extLst>
-                <a:ext uri="{FF2B5EF4-FFF2-40B4-BE49-F238E27FC236}">
-                  <a16:creationId xmlns:a16="http://schemas.microsoft.com/office/drawing/2014/main" id="{4D25A330-99FB-DC06-4C91-48C0B7397E96}"/>
-                </a:ext>
-              </a:extLst>
-            </p:cNvPr>
-            <p:cNvCxnSpPr>
-              <a:stCxn id="8" idx="3"/>
-              <a:endCxn id="23" idx="1"/>
-            </p:cNvCxnSpPr>
-            <p:nvPr/>
-          </p:nvCxnSpPr>
-          <p:spPr>
-            <a:xfrm>
-              <a:off x="3502764" y="2804515"/>
-              <a:ext cx="982151" cy="293914"/>
-            </a:xfrm>
-            <a:prstGeom prst="bentConnector3">
-              <a:avLst/>
-            </a:prstGeom>
-            <a:ln>
-              <a:tailEnd type="triangle"/>
-            </a:ln>
-          </p:spPr>
-          <p:style>
-            <a:lnRef idx="2">
-              <a:schemeClr val="dk1"/>
-            </a:lnRef>
-            <a:fillRef idx="1">
-              <a:schemeClr val="lt1"/>
-            </a:fillRef>
-            <a:effectRef idx="0">
-              <a:schemeClr val="dk1"/>
-            </a:effectRef>
-            <a:fontRef idx="minor">
-              <a:schemeClr val="dk1"/>
-            </a:fontRef>
-          </p:style>
-        </p:cxnSp>
-        <p:cxnSp>
-          <p:nvCxnSpPr>
-            <p:cNvPr id="66" name="연결선: 꺾임 65">
-              <a:extLst>
-                <a:ext uri="{FF2B5EF4-FFF2-40B4-BE49-F238E27FC236}">
-                  <a16:creationId xmlns:a16="http://schemas.microsoft.com/office/drawing/2014/main" id="{FD2998E6-E087-2D8F-6D49-E37A985650EB}"/>
-                </a:ext>
-              </a:extLst>
-            </p:cNvPr>
-            <p:cNvCxnSpPr>
-              <a:stCxn id="9" idx="3"/>
-              <a:endCxn id="14" idx="1"/>
-            </p:cNvCxnSpPr>
-            <p:nvPr/>
-          </p:nvCxnSpPr>
-          <p:spPr>
-            <a:xfrm flipV="1">
-              <a:off x="3502764" y="3740687"/>
-              <a:ext cx="982151" cy="451756"/>
-            </a:xfrm>
-            <a:prstGeom prst="bentConnector3">
-              <a:avLst/>
-            </a:prstGeom>
-            <a:ln>
-              <a:tailEnd type="triangle"/>
-            </a:ln>
-          </p:spPr>
-          <p:style>
-            <a:lnRef idx="2">
-              <a:schemeClr val="dk1"/>
-            </a:lnRef>
-            <a:fillRef idx="1">
-              <a:schemeClr val="lt1"/>
-            </a:fillRef>
-            <a:effectRef idx="0">
-              <a:schemeClr val="dk1"/>
-            </a:effectRef>
-            <a:fontRef idx="minor">
-              <a:schemeClr val="dk1"/>
-            </a:fontRef>
-          </p:style>
-        </p:cxnSp>
-        <p:cxnSp>
-          <p:nvCxnSpPr>
-            <p:cNvPr id="68" name="연결선: 꺾임 67">
-              <a:extLst>
-                <a:ext uri="{FF2B5EF4-FFF2-40B4-BE49-F238E27FC236}">
-                  <a16:creationId xmlns:a16="http://schemas.microsoft.com/office/drawing/2014/main" id="{02AD104C-A304-4FE5-8DB8-CEA3CEC5275B}"/>
-                </a:ext>
-              </a:extLst>
-            </p:cNvPr>
-            <p:cNvCxnSpPr>
-              <a:stCxn id="9" idx="3"/>
-              <a:endCxn id="15" idx="1"/>
-            </p:cNvCxnSpPr>
-            <p:nvPr/>
-          </p:nvCxnSpPr>
-          <p:spPr>
-            <a:xfrm>
-              <a:off x="3502764" y="4192443"/>
-              <a:ext cx="982151" cy="92530"/>
-            </a:xfrm>
-            <a:prstGeom prst="bentConnector3">
-              <a:avLst/>
-            </a:prstGeom>
-            <a:ln>
-              <a:tailEnd type="triangle"/>
-            </a:ln>
-          </p:spPr>
-          <p:style>
-            <a:lnRef idx="2">
-              <a:schemeClr val="dk1"/>
-            </a:lnRef>
-            <a:fillRef idx="1">
-              <a:schemeClr val="lt1"/>
-            </a:fillRef>
-            <a:effectRef idx="0">
-              <a:schemeClr val="dk1"/>
-            </a:effectRef>
-            <a:fontRef idx="minor">
-              <a:schemeClr val="dk1"/>
-            </a:fontRef>
-          </p:style>
-        </p:cxnSp>
-      </p:grpSp>
-      <p:grpSp>
-        <p:nvGrpSpPr>
-          <p:cNvPr id="94" name="그룹 93">
-            <a:extLst>
-              <a:ext uri="{FF2B5EF4-FFF2-40B4-BE49-F238E27FC236}">
-                <a16:creationId xmlns:a16="http://schemas.microsoft.com/office/drawing/2014/main" id="{E7B928CD-CE2B-BA82-8D94-FA5D4A8B80D7}"/>
-              </a:ext>
-            </a:extLst>
-          </p:cNvPr>
-          <p:cNvGrpSpPr/>
-          <p:nvPr/>
-        </p:nvGrpSpPr>
-        <p:grpSpPr>
-          <a:xfrm>
-            <a:off x="2220685" y="4986897"/>
-            <a:ext cx="4789715" cy="1589724"/>
-            <a:chOff x="2220685" y="4823607"/>
-            <a:chExt cx="4789715" cy="1589724"/>
-          </a:xfrm>
-        </p:grpSpPr>
-        <p:sp>
-          <p:nvSpPr>
-            <p:cNvPr id="10" name="직사각형 9">
-              <a:extLst>
-                <a:ext uri="{FF2B5EF4-FFF2-40B4-BE49-F238E27FC236}">
-                  <a16:creationId xmlns:a16="http://schemas.microsoft.com/office/drawing/2014/main" id="{EDF838C1-3FEA-7AD9-0216-57DAA096B62A}"/>
-                </a:ext>
-              </a:extLst>
-            </p:cNvPr>
-            <p:cNvSpPr/>
-            <p:nvPr/>
-          </p:nvSpPr>
-          <p:spPr>
-            <a:xfrm>
-              <a:off x="2220685" y="5231821"/>
-              <a:ext cx="1282079" cy="468500"/>
-            </a:xfrm>
-            <a:prstGeom prst="rect">
-              <a:avLst/>
-            </a:prstGeom>
-          </p:spPr>
-          <p:style>
-            <a:lnRef idx="2">
-              <a:schemeClr val="dk1"/>
-            </a:lnRef>
-            <a:fillRef idx="1">
-              <a:schemeClr val="lt1"/>
-            </a:fillRef>
-            <a:effectRef idx="0">
-              <a:schemeClr val="dk1"/>
-            </a:effectRef>
-            <a:fontRef idx="minor">
-              <a:schemeClr val="dk1"/>
-            </a:fontRef>
-          </p:style>
-          <p:txBody>
-            <a:bodyPr rtlCol="0" anchor="ctr"/>
-            <a:lstStyle/>
-            <a:p>
-              <a:pPr algn="ctr"/>
-              <a:r>
-                <a:rPr lang="ko-KR" altLang="en-US" sz="1500" dirty="0"/>
-                <a:t>게시판</a:t>
-              </a:r>
-            </a:p>
-          </p:txBody>
-        </p:sp>
-        <p:sp>
-          <p:nvSpPr>
-            <p:cNvPr id="16" name="직사각형 15">
-              <a:extLst>
-                <a:ext uri="{FF2B5EF4-FFF2-40B4-BE49-F238E27FC236}">
-                  <a16:creationId xmlns:a16="http://schemas.microsoft.com/office/drawing/2014/main" id="{2A06D6CC-335B-05CA-1FF6-D8AAFCAF99F8}"/>
-                </a:ext>
-              </a:extLst>
-            </p:cNvPr>
-            <p:cNvSpPr/>
-            <p:nvPr/>
-          </p:nvSpPr>
-          <p:spPr>
-            <a:xfrm>
-              <a:off x="4484914" y="4823607"/>
-              <a:ext cx="1495759" cy="468500"/>
-            </a:xfrm>
-            <a:prstGeom prst="rect">
-              <a:avLst/>
-            </a:prstGeom>
-          </p:spPr>
-          <p:style>
-            <a:lnRef idx="2">
-              <a:schemeClr val="dk1"/>
-            </a:lnRef>
-            <a:fillRef idx="1">
-              <a:schemeClr val="lt1"/>
-            </a:fillRef>
-            <a:effectRef idx="0">
-              <a:schemeClr val="dk1"/>
-            </a:effectRef>
-            <a:fontRef idx="minor">
-              <a:schemeClr val="dk1"/>
-            </a:fontRef>
-          </p:style>
-          <p:txBody>
-            <a:bodyPr rtlCol="0" anchor="ctr"/>
-            <a:lstStyle/>
-            <a:p>
-              <a:pPr algn="ctr"/>
-              <a:r>
-                <a:rPr lang="ko-KR" altLang="en-US" sz="1500" dirty="0"/>
-                <a:t>공지사항</a:t>
-              </a:r>
-            </a:p>
-          </p:txBody>
-        </p:sp>
-        <p:sp>
-          <p:nvSpPr>
-            <p:cNvPr id="17" name="직사각형 16">
-              <a:extLst>
-                <a:ext uri="{FF2B5EF4-FFF2-40B4-BE49-F238E27FC236}">
-                  <a16:creationId xmlns:a16="http://schemas.microsoft.com/office/drawing/2014/main" id="{C6491324-C52C-D2AF-BCE4-137E80612425}"/>
-                </a:ext>
-              </a:extLst>
-            </p:cNvPr>
-            <p:cNvSpPr/>
-            <p:nvPr/>
-          </p:nvSpPr>
-          <p:spPr>
-            <a:xfrm>
-              <a:off x="4484914" y="5384219"/>
-              <a:ext cx="1495759" cy="468500"/>
-            </a:xfrm>
-            <a:prstGeom prst="rect">
-              <a:avLst/>
-            </a:prstGeom>
-          </p:spPr>
-          <p:style>
-            <a:lnRef idx="2">
-              <a:schemeClr val="dk1"/>
-            </a:lnRef>
-            <a:fillRef idx="1">
-              <a:schemeClr val="lt1"/>
-            </a:fillRef>
-            <a:effectRef idx="0">
-              <a:schemeClr val="dk1"/>
-            </a:effectRef>
-            <a:fontRef idx="minor">
-              <a:schemeClr val="dk1"/>
-            </a:fontRef>
-          </p:style>
-          <p:txBody>
-            <a:bodyPr rtlCol="0" anchor="ctr"/>
-            <a:lstStyle/>
-            <a:p>
-              <a:pPr algn="ctr"/>
-              <a:r>
-                <a:rPr lang="ko-KR" altLang="en-US" sz="1500" dirty="0"/>
-                <a:t>문의</a:t>
-              </a:r>
-            </a:p>
-          </p:txBody>
-        </p:sp>
-        <p:sp>
-          <p:nvSpPr>
-            <p:cNvPr id="18" name="직사각형 17">
-              <a:extLst>
-                <a:ext uri="{FF2B5EF4-FFF2-40B4-BE49-F238E27FC236}">
-                  <a16:creationId xmlns:a16="http://schemas.microsoft.com/office/drawing/2014/main" id="{B53F96AA-53A7-8955-1F05-16C21362715A}"/>
-                </a:ext>
-              </a:extLst>
-            </p:cNvPr>
-            <p:cNvSpPr/>
-            <p:nvPr/>
-          </p:nvSpPr>
-          <p:spPr>
-            <a:xfrm>
-              <a:off x="4484914" y="5944831"/>
-              <a:ext cx="1495759" cy="468500"/>
-            </a:xfrm>
-            <a:prstGeom prst="rect">
-              <a:avLst/>
-            </a:prstGeom>
-          </p:spPr>
-          <p:style>
-            <a:lnRef idx="2">
-              <a:schemeClr val="dk1"/>
-            </a:lnRef>
-            <a:fillRef idx="1">
-              <a:schemeClr val="lt1"/>
-            </a:fillRef>
-            <a:effectRef idx="0">
-              <a:schemeClr val="dk1"/>
-            </a:effectRef>
-            <a:fontRef idx="minor">
-              <a:schemeClr val="dk1"/>
-            </a:fontRef>
-          </p:style>
-          <p:txBody>
-            <a:bodyPr rtlCol="0" anchor="ctr"/>
-            <a:lstStyle/>
-            <a:p>
-              <a:pPr algn="ctr"/>
-              <a:r>
-                <a:rPr lang="ko-KR" altLang="en-US" sz="1500" dirty="0"/>
-                <a:t>후기</a:t>
-              </a:r>
-            </a:p>
-          </p:txBody>
-        </p:sp>
-        <p:cxnSp>
-          <p:nvCxnSpPr>
-            <p:cNvPr id="72" name="연결선: 꺾임 71">
-              <a:extLst>
-                <a:ext uri="{FF2B5EF4-FFF2-40B4-BE49-F238E27FC236}">
-                  <a16:creationId xmlns:a16="http://schemas.microsoft.com/office/drawing/2014/main" id="{CC50E8CC-C4C5-A80B-0CC3-E9012F6DBA97}"/>
-                </a:ext>
-              </a:extLst>
-            </p:cNvPr>
-            <p:cNvCxnSpPr>
-              <a:stCxn id="10" idx="3"/>
-              <a:endCxn id="16" idx="1"/>
-            </p:cNvCxnSpPr>
-            <p:nvPr/>
-          </p:nvCxnSpPr>
-          <p:spPr>
-            <a:xfrm flipV="1">
-              <a:off x="3502764" y="5057857"/>
-              <a:ext cx="982150" cy="408214"/>
-            </a:xfrm>
-            <a:prstGeom prst="bentConnector3">
-              <a:avLst/>
-            </a:prstGeom>
-            <a:ln>
-              <a:tailEnd type="triangle"/>
-            </a:ln>
-          </p:spPr>
-          <p:style>
-            <a:lnRef idx="2">
-              <a:schemeClr val="dk1"/>
-            </a:lnRef>
-            <a:fillRef idx="1">
-              <a:schemeClr val="lt1"/>
-            </a:fillRef>
-            <a:effectRef idx="0">
-              <a:schemeClr val="dk1"/>
-            </a:effectRef>
-            <a:fontRef idx="minor">
-              <a:schemeClr val="dk1"/>
-            </a:fontRef>
-          </p:style>
-        </p:cxnSp>
-        <p:cxnSp>
-          <p:nvCxnSpPr>
-            <p:cNvPr id="74" name="연결선: 꺾임 73">
-              <a:extLst>
-                <a:ext uri="{FF2B5EF4-FFF2-40B4-BE49-F238E27FC236}">
-                  <a16:creationId xmlns:a16="http://schemas.microsoft.com/office/drawing/2014/main" id="{B6EE8567-5433-9820-02E7-239BE4B453BE}"/>
-                </a:ext>
-              </a:extLst>
-            </p:cNvPr>
-            <p:cNvCxnSpPr>
-              <a:stCxn id="10" idx="3"/>
-              <a:endCxn id="17" idx="1"/>
-            </p:cNvCxnSpPr>
-            <p:nvPr/>
-          </p:nvCxnSpPr>
-          <p:spPr>
-            <a:xfrm>
-              <a:off x="3502764" y="5466071"/>
-              <a:ext cx="982150" cy="152398"/>
-            </a:xfrm>
-            <a:prstGeom prst="bentConnector3">
-              <a:avLst/>
-            </a:prstGeom>
-            <a:ln>
-              <a:tailEnd type="triangle"/>
-            </a:ln>
-          </p:spPr>
-          <p:style>
-            <a:lnRef idx="2">
-              <a:schemeClr val="dk1"/>
-            </a:lnRef>
-            <a:fillRef idx="1">
-              <a:schemeClr val="lt1"/>
-            </a:fillRef>
-            <a:effectRef idx="0">
-              <a:schemeClr val="dk1"/>
-            </a:effectRef>
-            <a:fontRef idx="minor">
-              <a:schemeClr val="dk1"/>
-            </a:fontRef>
-          </p:style>
-        </p:cxnSp>
-        <p:cxnSp>
-          <p:nvCxnSpPr>
-            <p:cNvPr id="76" name="연결선: 꺾임 75">
-              <a:extLst>
-                <a:ext uri="{FF2B5EF4-FFF2-40B4-BE49-F238E27FC236}">
-                  <a16:creationId xmlns:a16="http://schemas.microsoft.com/office/drawing/2014/main" id="{1FF291CF-13A4-B3D4-4551-8B656B10B0D8}"/>
-                </a:ext>
-              </a:extLst>
-            </p:cNvPr>
-            <p:cNvCxnSpPr>
-              <a:stCxn id="10" idx="3"/>
-              <a:endCxn id="18" idx="1"/>
-            </p:cNvCxnSpPr>
-            <p:nvPr/>
-          </p:nvCxnSpPr>
-          <p:spPr>
-            <a:xfrm>
-              <a:off x="3502764" y="5466071"/>
-              <a:ext cx="982150" cy="713010"/>
-            </a:xfrm>
-            <a:prstGeom prst="bentConnector3">
-              <a:avLst/>
-            </a:prstGeom>
-            <a:ln>
-              <a:tailEnd type="triangle"/>
-            </a:ln>
-          </p:spPr>
-          <p:style>
-            <a:lnRef idx="2">
-              <a:schemeClr val="dk1"/>
-            </a:lnRef>
-            <a:fillRef idx="1">
-              <a:schemeClr val="lt1"/>
-            </a:fillRef>
-            <a:effectRef idx="0">
-              <a:schemeClr val="dk1"/>
-            </a:effectRef>
-            <a:fontRef idx="minor">
-              <a:schemeClr val="dk1"/>
-            </a:fontRef>
-          </p:style>
-        </p:cxnSp>
-        <p:cxnSp>
-          <p:nvCxnSpPr>
-            <p:cNvPr id="78" name="연결선: 꺾임 77">
-              <a:extLst>
-                <a:ext uri="{FF2B5EF4-FFF2-40B4-BE49-F238E27FC236}">
-                  <a16:creationId xmlns:a16="http://schemas.microsoft.com/office/drawing/2014/main" id="{2E6F6A78-8D2B-E709-B73A-0DACD6D6E4B9}"/>
-                </a:ext>
-              </a:extLst>
-            </p:cNvPr>
-            <p:cNvCxnSpPr>
-              <a:stCxn id="16" idx="3"/>
-              <a:endCxn id="29" idx="1"/>
-            </p:cNvCxnSpPr>
-            <p:nvPr/>
-          </p:nvCxnSpPr>
-          <p:spPr>
-            <a:xfrm>
-              <a:off x="5980673" y="5057857"/>
-              <a:ext cx="1029727" cy="571498"/>
-            </a:xfrm>
-            <a:prstGeom prst="bentConnector3">
-              <a:avLst/>
-            </a:prstGeom>
-            <a:ln>
-              <a:tailEnd type="triangle"/>
-            </a:ln>
-          </p:spPr>
-          <p:style>
-            <a:lnRef idx="2">
-              <a:schemeClr val="dk1"/>
-            </a:lnRef>
-            <a:fillRef idx="1">
-              <a:schemeClr val="lt1"/>
-            </a:fillRef>
-            <a:effectRef idx="0">
-              <a:schemeClr val="dk1"/>
-            </a:effectRef>
-            <a:fontRef idx="minor">
-              <a:schemeClr val="dk1"/>
-            </a:fontRef>
-          </p:style>
-        </p:cxnSp>
-        <p:cxnSp>
-          <p:nvCxnSpPr>
-            <p:cNvPr id="80" name="직선 화살표 연결선 79">
-              <a:extLst>
-                <a:ext uri="{FF2B5EF4-FFF2-40B4-BE49-F238E27FC236}">
-                  <a16:creationId xmlns:a16="http://schemas.microsoft.com/office/drawing/2014/main" id="{EA3FC5D8-3083-A1D5-5B0D-6FC836C1C8B9}"/>
-                </a:ext>
-              </a:extLst>
-            </p:cNvPr>
-            <p:cNvCxnSpPr>
-              <a:stCxn id="17" idx="3"/>
-              <a:endCxn id="29" idx="1"/>
-            </p:cNvCxnSpPr>
-            <p:nvPr/>
-          </p:nvCxnSpPr>
-          <p:spPr>
-            <a:xfrm>
-              <a:off x="5980673" y="5618469"/>
-              <a:ext cx="1029727" cy="10886"/>
-            </a:xfrm>
-            <a:prstGeom prst="straightConnector1">
-              <a:avLst/>
-            </a:prstGeom>
-            <a:ln>
-              <a:tailEnd type="triangle"/>
-            </a:ln>
-          </p:spPr>
-          <p:style>
-            <a:lnRef idx="2">
-              <a:schemeClr val="dk1"/>
-            </a:lnRef>
-            <a:fillRef idx="1">
-              <a:schemeClr val="lt1"/>
-            </a:fillRef>
-            <a:effectRef idx="0">
-              <a:schemeClr val="dk1"/>
-            </a:effectRef>
-            <a:fontRef idx="minor">
-              <a:schemeClr val="dk1"/>
-            </a:fontRef>
-          </p:style>
-        </p:cxnSp>
-        <p:cxnSp>
-          <p:nvCxnSpPr>
-            <p:cNvPr id="82" name="연결선: 꺾임 81">
-              <a:extLst>
-                <a:ext uri="{FF2B5EF4-FFF2-40B4-BE49-F238E27FC236}">
-                  <a16:creationId xmlns:a16="http://schemas.microsoft.com/office/drawing/2014/main" id="{D254A1D5-A54B-EF89-079A-A5D705DD3A67}"/>
-                </a:ext>
-              </a:extLst>
-            </p:cNvPr>
-            <p:cNvCxnSpPr>
-              <a:stCxn id="18" idx="3"/>
-              <a:endCxn id="29" idx="1"/>
-            </p:cNvCxnSpPr>
-            <p:nvPr/>
-          </p:nvCxnSpPr>
-          <p:spPr>
-            <a:xfrm flipV="1">
-              <a:off x="5980673" y="5629355"/>
-              <a:ext cx="1029727" cy="549726"/>
-            </a:xfrm>
-            <a:prstGeom prst="bentConnector3">
-              <a:avLst/>
-            </a:prstGeom>
-            <a:ln>
-              <a:tailEnd type="triangle"/>
-            </a:ln>
-          </p:spPr>
-          <p:style>
-            <a:lnRef idx="2">
-              <a:schemeClr val="dk1"/>
-            </a:lnRef>
-            <a:fillRef idx="1">
-              <a:schemeClr val="lt1"/>
-            </a:fillRef>
-            <a:effectRef idx="0">
-              <a:schemeClr val="dk1"/>
-            </a:effectRef>
-            <a:fontRef idx="minor">
-              <a:schemeClr val="dk1"/>
+              <a:schemeClr val="tx1"/>
             </a:fontRef>
           </p:style>
         </p:cxnSp>
       </p:grpSp>
       <p:cxnSp>
         <p:nvCxnSpPr>
-          <p:cNvPr id="84" name="연결선: 꺾임 83">
-            <a:extLst>
-              <a:ext uri="{FF2B5EF4-FFF2-40B4-BE49-F238E27FC236}">
-                <a16:creationId xmlns:a16="http://schemas.microsoft.com/office/drawing/2014/main" id="{F7F83CDF-2BB8-27AD-7566-EA95F74D66F6}"/>
+          <p:cNvPr id="52" name="직선 화살표 연결선 51">
+            <a:extLst>
+              <a:ext uri="{FF2B5EF4-FFF2-40B4-BE49-F238E27FC236}">
+                <a16:creationId xmlns:a16="http://schemas.microsoft.com/office/drawing/2014/main" id="{358BFD4D-35AB-12D8-1EA6-008FE6C2FE73}"/>
               </a:ext>
             </a:extLst>
           </p:cNvPr>
           <p:cNvCxnSpPr>
-            <a:stCxn id="22" idx="3"/>
-            <a:endCxn id="24" idx="1"/>
+            <a:stCxn id="4" idx="2"/>
+            <a:endCxn id="9" idx="0"/>
           </p:cNvCxnSpPr>
           <p:nvPr/>
         </p:nvCxnSpPr>
         <p:spPr>
           <a:xfrm>
-            <a:off x="6212161" y="2717433"/>
-            <a:ext cx="1277211" cy="865415"/>
-          </a:xfrm>
-          <a:prstGeom prst="bentConnector3">
+            <a:off x="6071674" y="1372473"/>
+            <a:ext cx="0" cy="957975"/>
+          </a:xfrm>
+          <a:prstGeom prst="straightConnector1">
             <a:avLst/>
           </a:prstGeom>
-          <a:ln>
+          <a:ln w="12700">
             <a:tailEnd type="triangle"/>
           </a:ln>
         </p:spPr>
         <p:style>
-          <a:lnRef idx="2">
+          <a:lnRef idx="1">
             <a:schemeClr val="dk1"/>
           </a:lnRef>
-          <a:fillRef idx="1">
-            <a:schemeClr val="lt1"/>
+          <a:fillRef idx="0">
+            <a:schemeClr val="dk1"/>
           </a:fillRef>
           <a:effectRef idx="0">
             <a:schemeClr val="dk1"/>
           </a:effectRef>
           <a:fontRef idx="minor">
-            <a:schemeClr val="dk1"/>
+            <a:schemeClr val="tx1"/>
           </a:fontRef>
         </p:style>
       </p:cxnSp>
       <p:cxnSp>
         <p:nvCxnSpPr>
-          <p:cNvPr id="88" name="연결선: 꺾임 87">
-            <a:extLst>
-              <a:ext uri="{FF2B5EF4-FFF2-40B4-BE49-F238E27FC236}">
-                <a16:creationId xmlns:a16="http://schemas.microsoft.com/office/drawing/2014/main" id="{20432C60-B757-9586-2C51-A24152FAD316}"/>
+          <p:cNvPr id="58" name="연결선: 꺾임 57">
+            <a:extLst>
+              <a:ext uri="{FF2B5EF4-FFF2-40B4-BE49-F238E27FC236}">
+                <a16:creationId xmlns:a16="http://schemas.microsoft.com/office/drawing/2014/main" id="{F84D5DF9-BC27-0530-2B8F-1E8D0AA10AC9}"/>
               </a:ext>
             </a:extLst>
           </p:cNvPr>
           <p:cNvCxnSpPr>
-            <a:stCxn id="23" idx="3"/>
-            <a:endCxn id="24" idx="1"/>
+            <a:stCxn id="12" idx="0"/>
+            <a:endCxn id="6" idx="0"/>
           </p:cNvCxnSpPr>
           <p:nvPr/>
         </p:nvCxnSpPr>
         <p:spPr>
-          <a:xfrm>
-            <a:off x="6212161" y="3261719"/>
-            <a:ext cx="1277211" cy="321129"/>
+          <a:xfrm rot="5400000" flipH="1" flipV="1">
+            <a:off x="6158481" y="-279259"/>
+            <a:ext cx="12700" cy="5219415"/>
           </a:xfrm>
           <a:prstGeom prst="bentConnector3">
-            <a:avLst/>
+            <a:avLst>
+              <a:gd name="adj1" fmla="val 1800000"/>
+            </a:avLst>
           </a:prstGeom>
-          <a:ln>
+          <a:ln w="12700">
+            <a:headEnd type="triangle"/>
             <a:tailEnd type="triangle"/>
           </a:ln>
         </p:spPr>
         <p:style>
-          <a:lnRef idx="2">
+          <a:lnRef idx="1">
             <a:schemeClr val="dk1"/>
           </a:lnRef>
-          <a:fillRef idx="1">
-            <a:schemeClr val="lt1"/>
+          <a:fillRef idx="0">
+            <a:schemeClr val="dk1"/>
           </a:fillRef>
           <a:effectRef idx="0">
             <a:schemeClr val="dk1"/>
           </a:effectRef>
           <a:fontRef idx="minor">
-            <a:schemeClr val="dk1"/>
-          </a:fontRef>
-        </p:style>
-      </p:cxnSp>
-      <p:cxnSp>
-        <p:nvCxnSpPr>
-          <p:cNvPr id="90" name="연결선: 꺾임 89">
-            <a:extLst>
-              <a:ext uri="{FF2B5EF4-FFF2-40B4-BE49-F238E27FC236}">
-                <a16:creationId xmlns:a16="http://schemas.microsoft.com/office/drawing/2014/main" id="{3EC589DF-3055-9A26-1574-D7C800286F5B}"/>
-              </a:ext>
-            </a:extLst>
-          </p:cNvPr>
-          <p:cNvCxnSpPr>
-            <a:stCxn id="14" idx="3"/>
-            <a:endCxn id="24" idx="1"/>
-          </p:cNvCxnSpPr>
-          <p:nvPr/>
-        </p:nvCxnSpPr>
-        <p:spPr>
-          <a:xfrm flipV="1">
-            <a:off x="6212161" y="3582848"/>
-            <a:ext cx="1277211" cy="321129"/>
-          </a:xfrm>
-          <a:prstGeom prst="bentConnector3">
-            <a:avLst/>
-          </a:prstGeom>
-          <a:ln>
-            <a:tailEnd type="triangle"/>
-          </a:ln>
-        </p:spPr>
-        <p:style>
-          <a:lnRef idx="2">
-            <a:schemeClr val="dk1"/>
-          </a:lnRef>
-          <a:fillRef idx="1">
-            <a:schemeClr val="lt1"/>
-          </a:fillRef>
-          <a:effectRef idx="0">
-            <a:schemeClr val="dk1"/>
-          </a:effectRef>
-          <a:fontRef idx="minor">
-            <a:schemeClr val="dk1"/>
-          </a:fontRef>
-        </p:style>
-      </p:cxnSp>
-      <p:cxnSp>
-        <p:nvCxnSpPr>
-          <p:cNvPr id="92" name="연결선: 꺾임 91">
-            <a:extLst>
-              <a:ext uri="{FF2B5EF4-FFF2-40B4-BE49-F238E27FC236}">
-                <a16:creationId xmlns:a16="http://schemas.microsoft.com/office/drawing/2014/main" id="{3BC6786E-A149-1DA4-AF6B-E9E3BF5BBCB3}"/>
-              </a:ext>
-            </a:extLst>
-          </p:cNvPr>
-          <p:cNvCxnSpPr>
-            <a:stCxn id="15" idx="3"/>
-            <a:endCxn id="24" idx="1"/>
-          </p:cNvCxnSpPr>
-          <p:nvPr/>
-        </p:nvCxnSpPr>
-        <p:spPr>
-          <a:xfrm flipV="1">
-            <a:off x="6212161" y="3582848"/>
-            <a:ext cx="1277211" cy="865415"/>
-          </a:xfrm>
-          <a:prstGeom prst="bentConnector3">
-            <a:avLst/>
-          </a:prstGeom>
-          <a:ln>
-            <a:tailEnd type="triangle"/>
-          </a:ln>
-        </p:spPr>
-        <p:style>
-          <a:lnRef idx="2">
-            <a:schemeClr val="dk1"/>
-          </a:lnRef>
-          <a:fillRef idx="1">
-            <a:schemeClr val="lt1"/>
-          </a:fillRef>
-          <a:effectRef idx="0">
-            <a:schemeClr val="dk1"/>
-          </a:effectRef>
-          <a:fontRef idx="minor">
-            <a:schemeClr val="dk1"/>
-          </a:fontRef>
-        </p:style>
-      </p:cxnSp>
-      <p:cxnSp>
-        <p:nvCxnSpPr>
-          <p:cNvPr id="99" name="연결선: 꺾임 98">
-            <a:extLst>
-              <a:ext uri="{FF2B5EF4-FFF2-40B4-BE49-F238E27FC236}">
-                <a16:creationId xmlns:a16="http://schemas.microsoft.com/office/drawing/2014/main" id="{AB959873-2FFF-A961-4175-84499144EAB2}"/>
-              </a:ext>
-            </a:extLst>
-          </p:cNvPr>
-          <p:cNvCxnSpPr>
-            <a:stCxn id="4" idx="3"/>
-            <a:endCxn id="6" idx="1"/>
-          </p:cNvCxnSpPr>
-          <p:nvPr/>
-        </p:nvCxnSpPr>
-        <p:spPr>
-          <a:xfrm flipV="1">
-            <a:off x="1445364" y="1348211"/>
-            <a:ext cx="775321" cy="503521"/>
-          </a:xfrm>
-          <a:prstGeom prst="bentConnector3">
-            <a:avLst/>
-          </a:prstGeom>
-          <a:ln>
-            <a:tailEnd type="triangle"/>
-          </a:ln>
-        </p:spPr>
-        <p:style>
-          <a:lnRef idx="2">
-            <a:schemeClr val="dk1"/>
-          </a:lnRef>
-          <a:fillRef idx="1">
-            <a:schemeClr val="lt1"/>
-          </a:fillRef>
-          <a:effectRef idx="0">
-            <a:schemeClr val="dk1"/>
-          </a:effectRef>
-          <a:fontRef idx="minor">
-            <a:schemeClr val="dk1"/>
-          </a:fontRef>
-        </p:style>
-      </p:cxnSp>
-      <p:cxnSp>
-        <p:nvCxnSpPr>
-          <p:cNvPr id="101" name="연결선: 꺾임 100">
-            <a:extLst>
-              <a:ext uri="{FF2B5EF4-FFF2-40B4-BE49-F238E27FC236}">
-                <a16:creationId xmlns:a16="http://schemas.microsoft.com/office/drawing/2014/main" id="{B00737AA-A233-2735-3150-A147E7913C21}"/>
-              </a:ext>
-            </a:extLst>
-          </p:cNvPr>
-          <p:cNvCxnSpPr>
-            <a:stCxn id="4" idx="3"/>
-            <a:endCxn id="5" idx="1"/>
-          </p:cNvCxnSpPr>
-          <p:nvPr/>
-        </p:nvCxnSpPr>
-        <p:spPr>
-          <a:xfrm flipV="1">
-            <a:off x="1445364" y="658792"/>
-            <a:ext cx="775321" cy="1192940"/>
-          </a:xfrm>
-          <a:prstGeom prst="bentConnector3">
-            <a:avLst/>
-          </a:prstGeom>
-          <a:ln>
-            <a:tailEnd type="triangle"/>
-          </a:ln>
-        </p:spPr>
-        <p:style>
-          <a:lnRef idx="2">
-            <a:schemeClr val="dk1"/>
-          </a:lnRef>
-          <a:fillRef idx="1">
-            <a:schemeClr val="lt1"/>
-          </a:fillRef>
-          <a:effectRef idx="0">
-            <a:schemeClr val="dk1"/>
-          </a:effectRef>
-          <a:fontRef idx="minor">
-            <a:schemeClr val="dk1"/>
+            <a:schemeClr val="tx1"/>
           </a:fontRef>
         </p:style>
       </p:cxnSp>
@@ -5911,7 +4489,7 @@
         </p:nvSpPr>
         <p:spPr>
           <a:xfrm>
-            <a:off x="1250421" y="324428"/>
+            <a:off x="1207950" y="362239"/>
             <a:ext cx="9799098" cy="6133522"/>
           </a:xfrm>
           <a:prstGeom prst="rect">
